--- a/python资料/第3课-人工智能之机器学习（朴素贝叶斯）__201903151409331.pptx
+++ b/python资料/第3课-人工智能之机器学习（朴素贝叶斯）__201903151409331.pptx
@@ -1,23 +1,118 @@
 
 <file path=ppt/presentation.xml><?xml version="1.0" encoding="utf-8"?>
-<p:presentation xmlns:a="http://schemas.openxmlformats.org/drawingml/2006/main" xmlns:r="http://schemas.openxmlformats.org/officeDocument/2006/relationships" xmlns:p="http://schemas.openxmlformats.org/presentationml/2006/main" saveSubsetFonts="1">
+<p:presentation xmlns:a="http://schemas.openxmlformats.org/drawingml/2006/main" xmlns:r="http://schemas.openxmlformats.org/officeDocument/2006/relationships" xmlns:p="http://schemas.openxmlformats.org/presentationml/2006/main">
   <p:sldMasterIdLst>
     <p:sldMasterId id="2147483648" r:id="rId1"/>
   </p:sldMasterIdLst>
   <p:sldIdLst>
-    <p:sldId id="256" r:id="rId6"/>
-    <p:sldId id="257" r:id="rId7"/>
-    <p:sldId id="258" r:id="rId8"/>
-    <p:sldId id="259" r:id="rId9"/>
-    <p:sldId id="260" r:id="rId10"/>
+    <p:sldId id="256" r:id="rId3"/>
+    <p:sldId id="257" r:id="rId4"/>
+    <p:sldId id="258" r:id="rId5"/>
+    <p:sldId id="259" r:id="rId6"/>
+    <p:sldId id="260" r:id="rId7"/>
   </p:sldIdLst>
   <p:sldSz cx="12192000" cy="6858000"/>
   <p:notesSz cx="12192000" cy="6858000"/>
+  <p:custDataLst>
+    <p:tags r:id="rId11"/>
+  </p:custDataLst>
+  <p:defaultTextStyle>
+    <a:lvl1pPr marL="0" algn="l" defTabSz="914400" rtl="0" eaLnBrk="1" latinLnBrk="0" hangingPunct="1">
+      <a:defRPr sz="1800" kern="1200">
+        <a:solidFill>
+          <a:schemeClr val="tx1"/>
+        </a:solidFill>
+        <a:latin typeface="+mn-lt"/>
+        <a:ea typeface="+mn-ea"/>
+        <a:cs typeface="+mn-cs"/>
+      </a:defRPr>
+    </a:lvl1pPr>
+    <a:lvl2pPr marL="457200" algn="l" defTabSz="914400" rtl="0" eaLnBrk="1" latinLnBrk="0" hangingPunct="1">
+      <a:defRPr sz="1800" kern="1200">
+        <a:solidFill>
+          <a:schemeClr val="tx1"/>
+        </a:solidFill>
+        <a:latin typeface="+mn-lt"/>
+        <a:ea typeface="+mn-ea"/>
+        <a:cs typeface="+mn-cs"/>
+      </a:defRPr>
+    </a:lvl2pPr>
+    <a:lvl3pPr marL="914400" algn="l" defTabSz="914400" rtl="0" eaLnBrk="1" latinLnBrk="0" hangingPunct="1">
+      <a:defRPr sz="1800" kern="1200">
+        <a:solidFill>
+          <a:schemeClr val="tx1"/>
+        </a:solidFill>
+        <a:latin typeface="+mn-lt"/>
+        <a:ea typeface="+mn-ea"/>
+        <a:cs typeface="+mn-cs"/>
+      </a:defRPr>
+    </a:lvl3pPr>
+    <a:lvl4pPr marL="1371600" algn="l" defTabSz="914400" rtl="0" eaLnBrk="1" latinLnBrk="0" hangingPunct="1">
+      <a:defRPr sz="1800" kern="1200">
+        <a:solidFill>
+          <a:schemeClr val="tx1"/>
+        </a:solidFill>
+        <a:latin typeface="+mn-lt"/>
+        <a:ea typeface="+mn-ea"/>
+        <a:cs typeface="+mn-cs"/>
+      </a:defRPr>
+    </a:lvl4pPr>
+    <a:lvl5pPr marL="1828800" algn="l" defTabSz="914400" rtl="0" eaLnBrk="1" latinLnBrk="0" hangingPunct="1">
+      <a:defRPr sz="1800" kern="1200">
+        <a:solidFill>
+          <a:schemeClr val="tx1"/>
+        </a:solidFill>
+        <a:latin typeface="+mn-lt"/>
+        <a:ea typeface="+mn-ea"/>
+        <a:cs typeface="+mn-cs"/>
+      </a:defRPr>
+    </a:lvl5pPr>
+    <a:lvl6pPr marL="2286000" algn="l" defTabSz="914400" rtl="0" eaLnBrk="1" latinLnBrk="0" hangingPunct="1">
+      <a:defRPr sz="1800" kern="1200">
+        <a:solidFill>
+          <a:schemeClr val="tx1"/>
+        </a:solidFill>
+        <a:latin typeface="+mn-lt"/>
+        <a:ea typeface="+mn-ea"/>
+        <a:cs typeface="+mn-cs"/>
+      </a:defRPr>
+    </a:lvl6pPr>
+    <a:lvl7pPr marL="2743200" algn="l" defTabSz="914400" rtl="0" eaLnBrk="1" latinLnBrk="0" hangingPunct="1">
+      <a:defRPr sz="1800" kern="1200">
+        <a:solidFill>
+          <a:schemeClr val="tx1"/>
+        </a:solidFill>
+        <a:latin typeface="+mn-lt"/>
+        <a:ea typeface="+mn-ea"/>
+        <a:cs typeface="+mn-cs"/>
+      </a:defRPr>
+    </a:lvl7pPr>
+    <a:lvl8pPr marL="3200400" algn="l" defTabSz="914400" rtl="0" eaLnBrk="1" latinLnBrk="0" hangingPunct="1">
+      <a:defRPr sz="1800" kern="1200">
+        <a:solidFill>
+          <a:schemeClr val="tx1"/>
+        </a:solidFill>
+        <a:latin typeface="+mn-lt"/>
+        <a:ea typeface="+mn-ea"/>
+        <a:cs typeface="+mn-cs"/>
+      </a:defRPr>
+    </a:lvl8pPr>
+    <a:lvl9pPr marL="3657600" algn="l" defTabSz="914400" rtl="0" eaLnBrk="1" latinLnBrk="0" hangingPunct="1">
+      <a:defRPr sz="1800" kern="1200">
+        <a:solidFill>
+          <a:schemeClr val="tx1"/>
+        </a:solidFill>
+        <a:latin typeface="+mn-lt"/>
+        <a:ea typeface="+mn-ea"/>
+        <a:cs typeface="+mn-cs"/>
+      </a:defRPr>
+    </a:lvl9pPr>
+  </p:defaultTextStyle>
 </p:presentation>
 </file>
 
 <file path=ppt/slideLayouts/slideLayout1.xml><?xml version="1.0" encoding="utf-8"?>
-<p:sldLayout xmlns:a="http://schemas.openxmlformats.org/drawingml/2006/main" xmlns:r="http://schemas.openxmlformats.org/officeDocument/2006/relationships" xmlns:p="http://schemas.openxmlformats.org/presentationml/2006/main" preserve="1" type="obj">
+<p:sldLayout xmlns:a="http://schemas.openxmlformats.org/drawingml/2006/main" xmlns:r="http://schemas.openxmlformats.org/officeDocument/2006/relationships" xmlns:p="http://schemas.openxmlformats.org/presentationml/2006/main" type="obj" preserve="1">
   <p:cSld name="Title Slide">
     <p:spTree>
       <p:nvGrpSpPr>
@@ -106,7 +201,7 @@
             <a:spLocks noGrp="1"/>
           </p:cNvSpPr>
           <p:nvPr>
-            <p:ph type="ftr" idx="5" sz="quarter"/>
+            <p:ph type="ftr" sz="quarter" idx="5"/>
           </p:nvPr>
         </p:nvSpPr>
         <p:spPr/>
@@ -133,7 +228,7 @@
             <a:spLocks noGrp="1"/>
           </p:cNvSpPr>
           <p:nvPr>
-            <p:ph type="dt" idx="6" sz="half"/>
+            <p:ph type="dt" sz="half" idx="6"/>
           </p:nvPr>
         </p:nvSpPr>
         <p:spPr/>
@@ -154,6 +249,7 @@
             <a:fld id="{1D8BD707-D9CF-40AE-B4C6-C98DA3205C09}" type="datetimeFigureOut">
               <a:rPr lang="en-US"/>
             </a:fld>
+            <a:endParaRPr lang="en-US"/>
           </a:p>
         </p:txBody>
       </p:sp>
@@ -164,7 +260,7 @@
             <a:spLocks noGrp="1"/>
           </p:cNvSpPr>
           <p:nvPr>
-            <p:ph type="sldNum" idx="7" sz="quarter"/>
+            <p:ph type="sldNum" sz="quarter" idx="7"/>
           </p:nvPr>
         </p:nvSpPr>
         <p:spPr/>
@@ -183,8 +279,9 @@
           </a:lstStyle>
           <a:p>
             <a:fld id="{B6F15528-21DE-4FAA-801E-634DDDAF4B2B}" type="slidenum">
-              <a:t>#</a:t>
+              <a:rPr/>
             </a:fld>
+            <a:endParaRPr/>
           </a:p>
         </p:txBody>
       </p:sp>
@@ -197,7 +294,7 @@
 </file>
 
 <file path=ppt/slideLayouts/slideLayout2.xml><?xml version="1.0" encoding="utf-8"?>
-<p:sldLayout xmlns:a="http://schemas.openxmlformats.org/drawingml/2006/main" xmlns:r="http://schemas.openxmlformats.org/officeDocument/2006/relationships" xmlns:p="http://schemas.openxmlformats.org/presentationml/2006/main" preserve="1" type="obj">
+<p:sldLayout xmlns:a="http://schemas.openxmlformats.org/drawingml/2006/main" xmlns:r="http://schemas.openxmlformats.org/officeDocument/2006/relationships" xmlns:p="http://schemas.openxmlformats.org/presentationml/2006/main" type="obj" preserve="1">
   <p:cSld name="Title and Content">
     <p:spTree>
       <p:nvGrpSpPr>
@@ -232,8 +329,8 @@
                 <a:solidFill>
                   <a:srgbClr val="1B4B7B"/>
                 </a:solidFill>
-                <a:latin typeface="微软雅黑"/>
-                <a:cs typeface="微软雅黑"/>
+                <a:latin typeface="微软雅黑" panose="020B0503020204020204" charset="-122"/>
+                <a:cs typeface="微软雅黑" panose="020B0503020204020204" charset="-122"/>
               </a:defRPr>
             </a:lvl1pPr>
           </a:lstStyle>
@@ -268,7 +365,7 @@
             <a:spLocks noGrp="1"/>
           </p:cNvSpPr>
           <p:nvPr>
-            <p:ph type="ftr" idx="5" sz="quarter"/>
+            <p:ph type="ftr" sz="quarter" idx="5"/>
           </p:nvPr>
         </p:nvSpPr>
         <p:spPr/>
@@ -295,7 +392,7 @@
             <a:spLocks noGrp="1"/>
           </p:cNvSpPr>
           <p:nvPr>
-            <p:ph type="dt" idx="6" sz="half"/>
+            <p:ph type="dt" sz="half" idx="6"/>
           </p:nvPr>
         </p:nvSpPr>
         <p:spPr/>
@@ -316,6 +413,7 @@
             <a:fld id="{1D8BD707-D9CF-40AE-B4C6-C98DA3205C09}" type="datetimeFigureOut">
               <a:rPr lang="en-US"/>
             </a:fld>
+            <a:endParaRPr lang="en-US"/>
           </a:p>
         </p:txBody>
       </p:sp>
@@ -326,7 +424,7 @@
             <a:spLocks noGrp="1"/>
           </p:cNvSpPr>
           <p:nvPr>
-            <p:ph type="sldNum" idx="7" sz="quarter"/>
+            <p:ph type="sldNum" sz="quarter" idx="7"/>
           </p:nvPr>
         </p:nvSpPr>
         <p:spPr/>
@@ -345,8 +443,9 @@
           </a:lstStyle>
           <a:p>
             <a:fld id="{B6F15528-21DE-4FAA-801E-634DDDAF4B2B}" type="slidenum">
-              <a:t>#</a:t>
+              <a:rPr/>
             </a:fld>
+            <a:endParaRPr/>
           </a:p>
         </p:txBody>
       </p:sp>
@@ -359,7 +458,7 @@
 </file>
 
 <file path=ppt/slideLayouts/slideLayout3.xml><?xml version="1.0" encoding="utf-8"?>
-<p:sldLayout xmlns:a="http://schemas.openxmlformats.org/drawingml/2006/main" xmlns:r="http://schemas.openxmlformats.org/officeDocument/2006/relationships" xmlns:p="http://schemas.openxmlformats.org/presentationml/2006/main" preserve="1" type="obj">
+<p:sldLayout xmlns:a="http://schemas.openxmlformats.org/drawingml/2006/main" xmlns:r="http://schemas.openxmlformats.org/officeDocument/2006/relationships" xmlns:p="http://schemas.openxmlformats.org/presentationml/2006/main" type="obj" preserve="1">
   <p:cSld name="Two Content">
     <p:spTree>
       <p:nvGrpSpPr>
@@ -394,8 +493,8 @@
                 <a:solidFill>
                   <a:srgbClr val="1B4B7B"/>
                 </a:solidFill>
-                <a:latin typeface="微软雅黑"/>
-                <a:cs typeface="微软雅黑"/>
+                <a:latin typeface="微软雅黑" panose="020B0503020204020204" charset="-122"/>
+                <a:cs typeface="微软雅黑" panose="020B0503020204020204" charset="-122"/>
               </a:defRPr>
             </a:lvl1pPr>
           </a:lstStyle>
@@ -409,7 +508,7 @@
             <a:spLocks noGrp="1"/>
           </p:cNvSpPr>
           <p:nvPr>
-            <p:ph idx="2" sz="half"/>
+            <p:ph sz="half" idx="2"/>
           </p:nvPr>
         </p:nvSpPr>
         <p:spPr>
@@ -440,7 +539,7 @@
             <a:spLocks noGrp="1"/>
           </p:cNvSpPr>
           <p:nvPr>
-            <p:ph idx="3" sz="half"/>
+            <p:ph sz="half" idx="3"/>
           </p:nvPr>
         </p:nvSpPr>
         <p:spPr>
@@ -471,7 +570,7 @@
             <a:spLocks noGrp="1"/>
           </p:cNvSpPr>
           <p:nvPr>
-            <p:ph type="ftr" idx="5" sz="quarter"/>
+            <p:ph type="ftr" sz="quarter" idx="5"/>
           </p:nvPr>
         </p:nvSpPr>
         <p:spPr/>
@@ -498,7 +597,7 @@
             <a:spLocks noGrp="1"/>
           </p:cNvSpPr>
           <p:nvPr>
-            <p:ph type="dt" idx="6" sz="half"/>
+            <p:ph type="dt" sz="half" idx="6"/>
           </p:nvPr>
         </p:nvSpPr>
         <p:spPr/>
@@ -519,6 +618,7 @@
             <a:fld id="{1D8BD707-D9CF-40AE-B4C6-C98DA3205C09}" type="datetimeFigureOut">
               <a:rPr lang="en-US"/>
             </a:fld>
+            <a:endParaRPr lang="en-US"/>
           </a:p>
         </p:txBody>
       </p:sp>
@@ -529,7 +629,7 @@
             <a:spLocks noGrp="1"/>
           </p:cNvSpPr>
           <p:nvPr>
-            <p:ph type="sldNum" idx="7" sz="quarter"/>
+            <p:ph type="sldNum" sz="quarter" idx="7"/>
           </p:nvPr>
         </p:nvSpPr>
         <p:spPr/>
@@ -548,8 +648,9 @@
           </a:lstStyle>
           <a:p>
             <a:fld id="{B6F15528-21DE-4FAA-801E-634DDDAF4B2B}" type="slidenum">
-              <a:t>#</a:t>
+              <a:rPr/>
             </a:fld>
+            <a:endParaRPr/>
           </a:p>
         </p:txBody>
       </p:sp>
@@ -562,7 +663,7 @@
 </file>
 
 <file path=ppt/slideLayouts/slideLayout4.xml><?xml version="1.0" encoding="utf-8"?>
-<p:sldLayout xmlns:a="http://schemas.openxmlformats.org/drawingml/2006/main" xmlns:r="http://schemas.openxmlformats.org/officeDocument/2006/relationships" xmlns:p="http://schemas.openxmlformats.org/presentationml/2006/main" preserve="1" type="obj">
+<p:sldLayout xmlns:a="http://schemas.openxmlformats.org/drawingml/2006/main" xmlns:r="http://schemas.openxmlformats.org/officeDocument/2006/relationships" xmlns:p="http://schemas.openxmlformats.org/presentationml/2006/main" type="obj" preserve="1">
   <p:cSld name="Title Only">
     <p:spTree>
       <p:nvGrpSpPr>
@@ -597,8 +698,8 @@
                 <a:solidFill>
                   <a:srgbClr val="1B4B7B"/>
                 </a:solidFill>
-                <a:latin typeface="微软雅黑"/>
-                <a:cs typeface="微软雅黑"/>
+                <a:latin typeface="微软雅黑" panose="020B0503020204020204" charset="-122"/>
+                <a:cs typeface="微软雅黑" panose="020B0503020204020204" charset="-122"/>
               </a:defRPr>
             </a:lvl1pPr>
           </a:lstStyle>
@@ -612,7 +713,7 @@
             <a:spLocks noGrp="1"/>
           </p:cNvSpPr>
           <p:nvPr>
-            <p:ph type="ftr" idx="5" sz="quarter"/>
+            <p:ph type="ftr" sz="quarter" idx="5"/>
           </p:nvPr>
         </p:nvSpPr>
         <p:spPr/>
@@ -639,7 +740,7 @@
             <a:spLocks noGrp="1"/>
           </p:cNvSpPr>
           <p:nvPr>
-            <p:ph type="dt" idx="6" sz="half"/>
+            <p:ph type="dt" sz="half" idx="6"/>
           </p:nvPr>
         </p:nvSpPr>
         <p:spPr/>
@@ -660,6 +761,7 @@
             <a:fld id="{1D8BD707-D9CF-40AE-B4C6-C98DA3205C09}" type="datetimeFigureOut">
               <a:rPr lang="en-US"/>
             </a:fld>
+            <a:endParaRPr lang="en-US"/>
           </a:p>
         </p:txBody>
       </p:sp>
@@ -670,7 +772,7 @@
             <a:spLocks noGrp="1"/>
           </p:cNvSpPr>
           <p:nvPr>
-            <p:ph type="sldNum" idx="7" sz="quarter"/>
+            <p:ph type="sldNum" sz="quarter" idx="7"/>
           </p:nvPr>
         </p:nvSpPr>
         <p:spPr/>
@@ -689,8 +791,9 @@
           </a:lstStyle>
           <a:p>
             <a:fld id="{B6F15528-21DE-4FAA-801E-634DDDAF4B2B}" type="slidenum">
-              <a:t>#</a:t>
+              <a:rPr/>
             </a:fld>
+            <a:endParaRPr/>
           </a:p>
         </p:txBody>
       </p:sp>
@@ -703,7 +806,7 @@
 </file>
 
 <file path=ppt/slideLayouts/slideLayout5.xml><?xml version="1.0" encoding="utf-8"?>
-<p:sldLayout xmlns:a="http://schemas.openxmlformats.org/drawingml/2006/main" xmlns:r="http://schemas.openxmlformats.org/officeDocument/2006/relationships" xmlns:p="http://schemas.openxmlformats.org/presentationml/2006/main" preserve="1" type="obj">
+<p:sldLayout xmlns:a="http://schemas.openxmlformats.org/drawingml/2006/main" xmlns:r="http://schemas.openxmlformats.org/officeDocument/2006/relationships" xmlns:p="http://schemas.openxmlformats.org/presentationml/2006/main" type="obj" preserve="1">
   <p:cSld name="Blank">
     <p:spTree>
       <p:nvGrpSpPr>
@@ -726,7 +829,7 @@
             <a:spLocks noGrp="1"/>
           </p:cNvSpPr>
           <p:nvPr>
-            <p:ph type="ftr" idx="5" sz="quarter"/>
+            <p:ph type="ftr" sz="quarter" idx="5"/>
           </p:nvPr>
         </p:nvSpPr>
         <p:spPr/>
@@ -753,7 +856,7 @@
             <a:spLocks noGrp="1"/>
           </p:cNvSpPr>
           <p:nvPr>
-            <p:ph type="dt" idx="6" sz="half"/>
+            <p:ph type="dt" sz="half" idx="6"/>
           </p:nvPr>
         </p:nvSpPr>
         <p:spPr/>
@@ -774,6 +877,7 @@
             <a:fld id="{1D8BD707-D9CF-40AE-B4C6-C98DA3205C09}" type="datetimeFigureOut">
               <a:rPr lang="en-US"/>
             </a:fld>
+            <a:endParaRPr lang="en-US"/>
           </a:p>
         </p:txBody>
       </p:sp>
@@ -784,7 +888,7 @@
             <a:spLocks noGrp="1"/>
           </p:cNvSpPr>
           <p:nvPr>
-            <p:ph type="sldNum" idx="7" sz="quarter"/>
+            <p:ph type="sldNum" sz="quarter" idx="7"/>
           </p:nvPr>
         </p:nvSpPr>
         <p:spPr/>
@@ -803,8 +907,9 @@
           </a:lstStyle>
           <a:p>
             <a:fld id="{B6F15528-21DE-4FAA-801E-634DDDAF4B2B}" type="slidenum">
-              <a:t>#</a:t>
+              <a:rPr/>
             </a:fld>
+            <a:endParaRPr/>
           </a:p>
         </p:txBody>
       </p:sp>
@@ -856,7 +961,7 @@
             <a:avLst/>
           </a:prstGeom>
           <a:blipFill>
-            <a:blip r:embed="rId7" cstate="print"/>
+            <a:blip r:embed="rId6" cstate="print"/>
             <a:stretch>
               <a:fillRect/>
             </a:stretch>
@@ -897,8 +1002,8 @@
                 <a:solidFill>
                   <a:srgbClr val="1B4B7B"/>
                 </a:solidFill>
-                <a:latin typeface="微软雅黑"/>
-                <a:cs typeface="微软雅黑"/>
+                <a:latin typeface="微软雅黑" panose="020B0503020204020204" charset="-122"/>
+                <a:cs typeface="微软雅黑" panose="020B0503020204020204" charset="-122"/>
               </a:defRPr>
             </a:lvl1pPr>
           </a:lstStyle>
@@ -943,7 +1048,7 @@
             <a:spLocks noGrp="1"/>
           </p:cNvSpPr>
           <p:nvPr>
-            <p:ph type="ftr" idx="5" sz="quarter"/>
+            <p:ph type="ftr" sz="quarter" idx="5"/>
           </p:nvPr>
         </p:nvSpPr>
         <p:spPr>
@@ -980,7 +1085,7 @@
             <a:spLocks noGrp="1"/>
           </p:cNvSpPr>
           <p:nvPr>
-            <p:ph type="dt" idx="6" sz="half"/>
+            <p:ph type="dt" sz="half" idx="6"/>
           </p:nvPr>
         </p:nvSpPr>
         <p:spPr>
@@ -1011,6 +1116,7 @@
             <a:fld id="{1D8BD707-D9CF-40AE-B4C6-C98DA3205C09}" type="datetimeFigureOut">
               <a:rPr lang="en-US"/>
             </a:fld>
+            <a:endParaRPr lang="en-US"/>
           </a:p>
         </p:txBody>
       </p:sp>
@@ -1021,7 +1127,7 @@
             <a:spLocks noGrp="1"/>
           </p:cNvSpPr>
           <p:nvPr>
-            <p:ph type="sldNum" idx="7" sz="quarter"/>
+            <p:ph type="sldNum" sz="quarter" idx="7"/>
           </p:nvPr>
         </p:nvSpPr>
         <p:spPr>
@@ -1050,20 +1156,21 @@
           </a:lstStyle>
           <a:p>
             <a:fld id="{B6F15528-21DE-4FAA-801E-634DDDAF4B2B}" type="slidenum">
-              <a:t>#</a:t>
+              <a:rPr/>
             </a:fld>
+            <a:endParaRPr/>
           </a:p>
         </p:txBody>
       </p:sp>
     </p:spTree>
   </p:cSld>
-  <p:clrMap folHlink="folHlink" hlink="hlink" accent1="accent1" accent2="accent2" accent3="accent3" accent4="accent4" accent5="accent5" accent6="accent6" tx2="dk2" bg2="lt2" tx1="dk1" bg1="lt1"/>
+  <p:clrMap bg1="lt1" tx1="dk1" bg2="lt2" tx2="dk2" accent1="accent1" accent2="accent2" accent3="accent3" accent4="accent4" accent5="accent5" accent6="accent6" hlink="hlink" folHlink="folHlink"/>
   <p:sldLayoutIdLst>
-    <p:sldLayoutId id="2147483661" r:id="rId1"/>
-    <p:sldLayoutId id="2147483662" r:id="rId2"/>
-    <p:sldLayoutId id="2147483663" r:id="rId3"/>
-    <p:sldLayoutId id="2147483664" r:id="rId4"/>
-    <p:sldLayoutId id="2147483665" r:id="rId5"/>
+    <p:sldLayoutId id="2147483649" r:id="rId1"/>
+    <p:sldLayoutId id="2147483650" r:id="rId2"/>
+    <p:sldLayoutId id="2147483651" r:id="rId3"/>
+    <p:sldLayoutId id="2147483652" r:id="rId4"/>
+    <p:sldLayoutId id="2147483653" r:id="rId5"/>
   </p:sldLayoutIdLst>
   <p:txStyles>
     <p:titleStyle>
@@ -1241,7 +1348,7 @@
             <a:avLst/>
           </a:prstGeom>
           <a:blipFill>
-            <a:blip r:embed="rId2" cstate="print"/>
+            <a:blip r:embed="rId1" cstate="print"/>
             <a:stretch>
               <a:fillRect/>
             </a:stretch>
@@ -1268,10 +1375,12 @@
             <a:off x="114096" y="1570177"/>
             <a:ext cx="6088380" cy="834390"/>
           </a:xfrm>
-          <a:prstGeom prst="rect"/>
+          <a:prstGeom prst="rect">
+            <a:avLst/>
+          </a:prstGeom>
         </p:spPr>
         <p:txBody>
-          <a:bodyPr wrap="square" lIns="0" tIns="13335" rIns="0" bIns="0" rtlCol="0" vert="horz">
+          <a:bodyPr vert="horz" wrap="square" lIns="0" tIns="13335" rIns="0" bIns="0" rtlCol="0">
             <a:spAutoFit/>
           </a:bodyPr>
           <a:lstStyle/>
@@ -1285,7 +1394,7 @@
               </a:spcBef>
             </a:pPr>
             <a:r>
-              <a:rPr dirty="0" sz="5300">
+              <a:rPr sz="5300" dirty="0">
                 <a:solidFill>
                   <a:srgbClr val="004475"/>
                 </a:solidFill>
@@ -1312,7 +1421,7 @@
           </a:prstGeom>
         </p:spPr>
         <p:txBody>
-          <a:bodyPr wrap="square" lIns="0" tIns="12065" rIns="0" bIns="0" rtlCol="0" vert="horz">
+          <a:bodyPr vert="horz" wrap="square" lIns="0" tIns="12065" rIns="0" bIns="0" rtlCol="0">
             <a:spAutoFit/>
           </a:bodyPr>
           <a:lstStyle/>
@@ -1326,18 +1435,18 @@
               </a:spcBef>
             </a:pPr>
             <a:r>
-              <a:rPr dirty="0" sz="3400" spc="-5" b="1">
+              <a:rPr sz="3400" b="1" spc="-5" dirty="0">
                 <a:solidFill>
                   <a:srgbClr val="004475"/>
                 </a:solidFill>
-                <a:latin typeface="微软雅黑"/>
-                <a:cs typeface="微软雅黑"/>
+                <a:latin typeface="微软雅黑" panose="020B0503020204020204" charset="-122"/>
+                <a:cs typeface="微软雅黑" panose="020B0503020204020204" charset="-122"/>
               </a:rPr>
               <a:t>朴素贝叶斯</a:t>
             </a:r>
             <a:endParaRPr sz="3400">
-              <a:latin typeface="微软雅黑"/>
-              <a:cs typeface="微软雅黑"/>
+              <a:latin typeface="微软雅黑" panose="020B0503020204020204" charset="-122"/>
+              <a:cs typeface="微软雅黑" panose="020B0503020204020204" charset="-122"/>
             </a:endParaRPr>
           </a:p>
         </p:txBody>
@@ -1358,7 +1467,7 @@
           </a:prstGeom>
         </p:spPr>
         <p:txBody>
-          <a:bodyPr wrap="square" lIns="0" tIns="12700" rIns="0" bIns="0" rtlCol="0" vert="horz">
+          <a:bodyPr vert="horz" wrap="square" lIns="0" tIns="12700" rIns="0" bIns="0" rtlCol="0">
             <a:spAutoFit/>
           </a:bodyPr>
           <a:lstStyle/>
@@ -1376,38 +1485,38 @@
               </a:tabLst>
             </a:pPr>
             <a:r>
-              <a:rPr dirty="0" sz="2400">
+              <a:rPr sz="2400" dirty="0">
                 <a:solidFill>
                   <a:srgbClr val="004475"/>
                 </a:solidFill>
-                <a:latin typeface="微软雅黑"/>
-                <a:cs typeface="微软雅黑"/>
+                <a:latin typeface="微软雅黑" panose="020B0503020204020204" charset="-122"/>
+                <a:cs typeface="微软雅黑" panose="020B0503020204020204" charset="-122"/>
               </a:rPr>
               <a:t>产品研发中心	</a:t>
             </a:r>
             <a:r>
-              <a:rPr dirty="0" sz="2400" spc="5">
+              <a:rPr sz="2400" spc="5" dirty="0">
                 <a:solidFill>
                   <a:srgbClr val="004475"/>
                 </a:solidFill>
-                <a:latin typeface="微软雅黑"/>
-                <a:cs typeface="微软雅黑"/>
+                <a:latin typeface="微软雅黑" panose="020B0503020204020204" charset="-122"/>
+                <a:cs typeface="微软雅黑" panose="020B0503020204020204" charset="-122"/>
               </a:rPr>
               <a:t>-</a:t>
             </a:r>
             <a:r>
-              <a:rPr dirty="0" sz="2400">
+              <a:rPr sz="2400" dirty="0">
                 <a:solidFill>
                   <a:srgbClr val="004475"/>
                 </a:solidFill>
-                <a:latin typeface="微软雅黑"/>
-                <a:cs typeface="微软雅黑"/>
+                <a:latin typeface="微软雅黑" panose="020B0503020204020204" charset="-122"/>
+                <a:cs typeface="微软雅黑" panose="020B0503020204020204" charset="-122"/>
               </a:rPr>
               <a:t>-	李军</a:t>
             </a:r>
             <a:endParaRPr sz="2400">
-              <a:latin typeface="微软雅黑"/>
-              <a:cs typeface="微软雅黑"/>
+              <a:latin typeface="微软雅黑" panose="020B0503020204020204" charset="-122"/>
+              <a:cs typeface="微软雅黑" panose="020B0503020204020204" charset="-122"/>
             </a:endParaRPr>
           </a:p>
         </p:txBody>
@@ -1452,10 +1561,12 @@
             <a:off x="159512" y="182956"/>
             <a:ext cx="2874010" cy="514350"/>
           </a:xfrm>
-          <a:prstGeom prst="rect"/>
+          <a:prstGeom prst="rect">
+            <a:avLst/>
+          </a:prstGeom>
         </p:spPr>
         <p:txBody>
-          <a:bodyPr wrap="square" lIns="0" tIns="13335" rIns="0" bIns="0" rtlCol="0" vert="horz">
+          <a:bodyPr vert="horz" wrap="square" lIns="0" tIns="13335" rIns="0" bIns="0" rtlCol="0">
             <a:spAutoFit/>
           </a:bodyPr>
           <a:lstStyle/>
@@ -1472,6 +1583,7 @@
               <a:rPr dirty="0"/>
               <a:t>朴素贝叶斯简介</a:t>
             </a:r>
+            <a:endParaRPr dirty="0"/>
           </a:p>
         </p:txBody>
       </p:sp>
@@ -1491,7 +1603,7 @@
           </a:prstGeom>
         </p:spPr>
         <p:txBody>
-          <a:bodyPr wrap="square" lIns="0" tIns="156845" rIns="0" bIns="0" rtlCol="0" vert="horz">
+          <a:bodyPr vert="horz" wrap="square" lIns="0" tIns="156845" rIns="0" bIns="0" rtlCol="0">
             <a:spAutoFit/>
           </a:bodyPr>
           <a:lstStyle/>
@@ -1506,25 +1618,25 @@
               <a:buClr>
                 <a:srgbClr val="00AF50"/>
               </a:buClr>
-              <a:buFont typeface="Wingdings"/>
+              <a:buFont typeface="Wingdings" panose="05000000000000000000"/>
               <a:buChar char=""/>
               <a:tabLst>
                 <a:tab pos="299720" algn="l"/>
               </a:tabLst>
             </a:pPr>
             <a:r>
-              <a:rPr dirty="0" sz="1800">
+              <a:rPr sz="1800" dirty="0">
                 <a:solidFill>
                   <a:srgbClr val="404040"/>
                 </a:solidFill>
-                <a:latin typeface="微软雅黑"/>
-                <a:cs typeface="微软雅黑"/>
+                <a:latin typeface="微软雅黑" panose="020B0503020204020204" charset="-122"/>
+                <a:cs typeface="微软雅黑" panose="020B0503020204020204" charset="-122"/>
               </a:rPr>
               <a:t>朴素贝叶斯是使用概率论来分类的算法。其中</a:t>
             </a:r>
             <a:endParaRPr sz="1800">
-              <a:latin typeface="微软雅黑"/>
-              <a:cs typeface="微软雅黑"/>
+              <a:latin typeface="微软雅黑" panose="020B0503020204020204" charset="-122"/>
+              <a:cs typeface="微软雅黑" panose="020B0503020204020204" charset="-122"/>
             </a:endParaRPr>
           </a:p>
           <a:p>
@@ -1538,7 +1650,7 @@
               <a:buClr>
                 <a:srgbClr val="00AF50"/>
               </a:buClr>
-              <a:buFont typeface="Wingdings"/>
+              <a:buFont typeface="Wingdings" panose="05000000000000000000"/>
               <a:buChar char=""/>
               <a:tabLst>
                 <a:tab pos="299085" algn="l"/>
@@ -1546,18 +1658,18 @@
               </a:tabLst>
             </a:pPr>
             <a:r>
-              <a:rPr dirty="0" sz="1600" spc="-5">
+              <a:rPr sz="1600" spc="-5" dirty="0">
                 <a:solidFill>
                   <a:srgbClr val="404040"/>
                 </a:solidFill>
-                <a:latin typeface="微软雅黑"/>
-                <a:cs typeface="微软雅黑"/>
+                <a:latin typeface="微软雅黑" panose="020B0503020204020204" charset="-122"/>
+                <a:cs typeface="微软雅黑" panose="020B0503020204020204" charset="-122"/>
               </a:rPr>
               <a:t>朴素：各特征条件独立；</a:t>
             </a:r>
             <a:endParaRPr sz="1600">
-              <a:latin typeface="微软雅黑"/>
-              <a:cs typeface="微软雅黑"/>
+              <a:latin typeface="微软雅黑" panose="020B0503020204020204" charset="-122"/>
+              <a:cs typeface="微软雅黑" panose="020B0503020204020204" charset="-122"/>
             </a:endParaRPr>
           </a:p>
           <a:p>
@@ -1571,7 +1683,7 @@
               <a:buClr>
                 <a:srgbClr val="00AF50"/>
               </a:buClr>
-              <a:buFont typeface="Wingdings"/>
+              <a:buFont typeface="Wingdings" panose="05000000000000000000"/>
               <a:buChar char=""/>
               <a:tabLst>
                 <a:tab pos="299085" algn="l"/>
@@ -1579,18 +1691,18 @@
               </a:tabLst>
             </a:pPr>
             <a:r>
-              <a:rPr dirty="0" sz="1600" spc="-5">
+              <a:rPr sz="1600" spc="-5" dirty="0">
                 <a:solidFill>
                   <a:srgbClr val="404040"/>
                 </a:solidFill>
-                <a:latin typeface="微软雅黑"/>
-                <a:cs typeface="微软雅黑"/>
+                <a:latin typeface="微软雅黑" panose="020B0503020204020204" charset="-122"/>
+                <a:cs typeface="微软雅黑" panose="020B0503020204020204" charset="-122"/>
               </a:rPr>
               <a:t>贝叶斯：根据贝叶斯定理。</a:t>
             </a:r>
             <a:endParaRPr sz="1600">
-              <a:latin typeface="微软雅黑"/>
-              <a:cs typeface="微软雅黑"/>
+              <a:latin typeface="微软雅黑" panose="020B0503020204020204" charset="-122"/>
+              <a:cs typeface="微软雅黑" panose="020B0503020204020204" charset="-122"/>
             </a:endParaRPr>
           </a:p>
         </p:txBody>
@@ -1605,6 +1717,33 @@
           <a:xfrm>
             <a:off x="172212" y="1132332"/>
             <a:ext cx="6313932" cy="3971544"/>
+          </a:xfrm>
+          <a:prstGeom prst="rect">
+            <a:avLst/>
+          </a:prstGeom>
+          <a:blipFill>
+            <a:blip r:embed="rId1" cstate="print"/>
+            <a:stretch>
+              <a:fillRect/>
+            </a:stretch>
+          </a:blipFill>
+        </p:spPr>
+        <p:txBody>
+          <a:bodyPr wrap="square" lIns="0" tIns="0" rIns="0" bIns="0" rtlCol="0"/>
+          <a:lstStyle/>
+          <a:p/>
+        </p:txBody>
+      </p:sp>
+      <p:sp>
+        <p:nvSpPr>
+          <p:cNvPr id="5" name="object 5"/>
+          <p:cNvSpPr/>
+          <p:nvPr/>
+        </p:nvSpPr>
+        <p:spPr>
+          <a:xfrm>
+            <a:off x="7534673" y="2563367"/>
+            <a:ext cx="2895933" cy="533400"/>
           </a:xfrm>
           <a:prstGeom prst="rect">
             <a:avLst/>
@@ -1624,14 +1763,545 @@
       </p:sp>
       <p:sp>
         <p:nvSpPr>
-          <p:cNvPr id="5" name="object 5"/>
+          <p:cNvPr id="6" name="object 6"/>
+          <p:cNvSpPr txBox="1"/>
+          <p:nvPr/>
+        </p:nvSpPr>
+        <p:spPr>
+          <a:xfrm>
+            <a:off x="6766052" y="3748430"/>
+            <a:ext cx="5274310" cy="2626995"/>
+          </a:xfrm>
+          <a:prstGeom prst="rect">
+            <a:avLst/>
+          </a:prstGeom>
+        </p:spPr>
+        <p:txBody>
+          <a:bodyPr vert="horz" wrap="square" lIns="0" tIns="12700" rIns="0" bIns="0" rtlCol="0">
+            <a:spAutoFit/>
+          </a:bodyPr>
+          <a:lstStyle/>
+          <a:p>
+            <a:pPr marL="12700" marR="165100">
+              <a:lnSpc>
+                <a:spcPct val="150000"/>
+              </a:lnSpc>
+              <a:spcBef>
+                <a:spcPts val="100"/>
+              </a:spcBef>
+            </a:pPr>
+            <a:r>
+              <a:rPr sz="1600" b="1" spc="-5" dirty="0">
+                <a:solidFill>
+                  <a:srgbClr val="00AF50"/>
+                </a:solidFill>
+                <a:latin typeface="微软雅黑" panose="020B0503020204020204" charset="-122"/>
+                <a:cs typeface="微软雅黑" panose="020B0503020204020204" charset="-122"/>
+              </a:rPr>
+              <a:t>先验概率（</a:t>
+            </a:r>
+            <a:r>
+              <a:rPr sz="1600" b="1" spc="-10" dirty="0">
+                <a:solidFill>
+                  <a:srgbClr val="00AF50"/>
+                </a:solidFill>
+                <a:latin typeface="微软雅黑" panose="020B0503020204020204" charset="-122"/>
+                <a:cs typeface="微软雅黑" panose="020B0503020204020204" charset="-122"/>
+              </a:rPr>
+              <a:t>Prior</a:t>
+            </a:r>
+            <a:r>
+              <a:rPr sz="1600" b="1" spc="-5" dirty="0">
+                <a:solidFill>
+                  <a:srgbClr val="00AF50"/>
+                </a:solidFill>
+                <a:latin typeface="微软雅黑" panose="020B0503020204020204" charset="-122"/>
+                <a:cs typeface="微软雅黑" panose="020B0503020204020204" charset="-122"/>
+              </a:rPr>
+              <a:t>）</a:t>
+            </a:r>
+            <a:r>
+              <a:rPr sz="1600" spc="-5" dirty="0">
+                <a:latin typeface="微软雅黑" panose="020B0503020204020204" charset="-122"/>
+                <a:cs typeface="微软雅黑" panose="020B0503020204020204" charset="-122"/>
+              </a:rPr>
+              <a:t>：</a:t>
+            </a:r>
+            <a:r>
+              <a:rPr sz="1600" dirty="0">
+                <a:latin typeface="微软雅黑" panose="020B0503020204020204" charset="-122"/>
+                <a:cs typeface="微软雅黑" panose="020B0503020204020204" charset="-122"/>
+              </a:rPr>
+              <a:t>P</a:t>
+            </a:r>
+            <a:r>
+              <a:rPr sz="1600" spc="-5" dirty="0">
+                <a:latin typeface="微软雅黑" panose="020B0503020204020204" charset="-122"/>
+                <a:cs typeface="微软雅黑" panose="020B0503020204020204" charset="-122"/>
+              </a:rPr>
+              <a:t>(C</a:t>
+            </a:r>
+            <a:r>
+              <a:rPr sz="1600" spc="5" dirty="0">
+                <a:latin typeface="微软雅黑" panose="020B0503020204020204" charset="-122"/>
+                <a:cs typeface="微软雅黑" panose="020B0503020204020204" charset="-122"/>
+              </a:rPr>
+              <a:t>)</a:t>
+            </a:r>
+            <a:r>
+              <a:rPr sz="1600" spc="-5" dirty="0">
+                <a:latin typeface="微软雅黑" panose="020B0503020204020204" charset="-122"/>
+                <a:cs typeface="微软雅黑" panose="020B0503020204020204" charset="-122"/>
+              </a:rPr>
+              <a:t>是</a:t>
+            </a:r>
+            <a:r>
+              <a:rPr sz="1600" spc="5" dirty="0">
+                <a:latin typeface="微软雅黑" panose="020B0503020204020204" charset="-122"/>
+                <a:cs typeface="微软雅黑" panose="020B0503020204020204" charset="-122"/>
+              </a:rPr>
+              <a:t>C</a:t>
+            </a:r>
+            <a:r>
+              <a:rPr sz="1600" spc="-5" dirty="0">
+                <a:latin typeface="微软雅黑" panose="020B0503020204020204" charset="-122"/>
+                <a:cs typeface="微软雅黑" panose="020B0503020204020204" charset="-122"/>
+              </a:rPr>
+              <a:t>的先</a:t>
+            </a:r>
+            <a:r>
+              <a:rPr sz="1600" spc="5" dirty="0">
+                <a:latin typeface="微软雅黑" panose="020B0503020204020204" charset="-122"/>
+                <a:cs typeface="微软雅黑" panose="020B0503020204020204" charset="-122"/>
+              </a:rPr>
+              <a:t>验</a:t>
+            </a:r>
+            <a:r>
+              <a:rPr sz="1600" spc="-5" dirty="0">
+                <a:latin typeface="微软雅黑" panose="020B0503020204020204" charset="-122"/>
+                <a:cs typeface="微软雅黑" panose="020B0503020204020204" charset="-122"/>
+              </a:rPr>
+              <a:t>概率</a:t>
+            </a:r>
+            <a:r>
+              <a:rPr sz="1600" spc="5" dirty="0">
+                <a:latin typeface="微软雅黑" panose="020B0503020204020204" charset="-122"/>
+                <a:cs typeface="微软雅黑" panose="020B0503020204020204" charset="-122"/>
+              </a:rPr>
+              <a:t>，</a:t>
+            </a:r>
+            <a:r>
+              <a:rPr sz="1600" spc="-5" dirty="0">
+                <a:latin typeface="微软雅黑" panose="020B0503020204020204" charset="-122"/>
+                <a:cs typeface="微软雅黑" panose="020B0503020204020204" charset="-122"/>
+              </a:rPr>
+              <a:t>可以</a:t>
+            </a:r>
+            <a:r>
+              <a:rPr sz="1600" spc="5" dirty="0">
+                <a:latin typeface="微软雅黑" panose="020B0503020204020204" charset="-122"/>
+                <a:cs typeface="微软雅黑" panose="020B0503020204020204" charset="-122"/>
+              </a:rPr>
+              <a:t>从</a:t>
+            </a:r>
+            <a:r>
+              <a:rPr sz="1600" spc="-5" dirty="0">
+                <a:latin typeface="微软雅黑" panose="020B0503020204020204" charset="-122"/>
+                <a:cs typeface="微软雅黑" panose="020B0503020204020204" charset="-122"/>
+              </a:rPr>
+              <a:t>已有的 </a:t>
+            </a:r>
+            <a:r>
+              <a:rPr sz="1600" spc="-5" dirty="0">
+                <a:latin typeface="微软雅黑" panose="020B0503020204020204" charset="-122"/>
+                <a:cs typeface="微软雅黑" panose="020B0503020204020204" charset="-122"/>
+              </a:rPr>
+              <a:t>训练集中计算分为C类的样本占</a:t>
+            </a:r>
+            <a:r>
+              <a:rPr sz="1600" spc="5" dirty="0">
+                <a:latin typeface="微软雅黑" panose="020B0503020204020204" charset="-122"/>
+                <a:cs typeface="微软雅黑" panose="020B0503020204020204" charset="-122"/>
+              </a:rPr>
+              <a:t>所</a:t>
+            </a:r>
+            <a:r>
+              <a:rPr sz="1600" spc="-5" dirty="0">
+                <a:latin typeface="微软雅黑" panose="020B0503020204020204" charset="-122"/>
+                <a:cs typeface="微软雅黑" panose="020B0503020204020204" charset="-122"/>
+              </a:rPr>
+              <a:t>有样</a:t>
+            </a:r>
+            <a:r>
+              <a:rPr sz="1600" spc="5" dirty="0">
+                <a:latin typeface="微软雅黑" panose="020B0503020204020204" charset="-122"/>
+                <a:cs typeface="微软雅黑" panose="020B0503020204020204" charset="-122"/>
+              </a:rPr>
+              <a:t>本</a:t>
+            </a:r>
+            <a:r>
+              <a:rPr sz="1600" spc="-5" dirty="0">
+                <a:latin typeface="微软雅黑" panose="020B0503020204020204" charset="-122"/>
+                <a:cs typeface="微软雅黑" panose="020B0503020204020204" charset="-122"/>
+              </a:rPr>
+              <a:t>的比</a:t>
+            </a:r>
+            <a:r>
+              <a:rPr sz="1600" spc="5" dirty="0">
+                <a:latin typeface="微软雅黑" panose="020B0503020204020204" charset="-122"/>
+                <a:cs typeface="微软雅黑" panose="020B0503020204020204" charset="-122"/>
+              </a:rPr>
+              <a:t>重</a:t>
+            </a:r>
+            <a:r>
+              <a:rPr sz="1600" spc="-5" dirty="0">
+                <a:latin typeface="微软雅黑" panose="020B0503020204020204" charset="-122"/>
+                <a:cs typeface="微软雅黑" panose="020B0503020204020204" charset="-122"/>
+              </a:rPr>
+              <a:t>得出。</a:t>
+            </a:r>
+            <a:endParaRPr sz="1600">
+              <a:latin typeface="微软雅黑" panose="020B0503020204020204" charset="-122"/>
+              <a:cs typeface="微软雅黑" panose="020B0503020204020204" charset="-122"/>
+            </a:endParaRPr>
+          </a:p>
+          <a:p>
+            <a:pPr marL="12700" marR="5080">
+              <a:lnSpc>
+                <a:spcPct val="150000"/>
+              </a:lnSpc>
+            </a:pPr>
+            <a:r>
+              <a:rPr sz="1600" b="1" spc="-5" dirty="0">
+                <a:solidFill>
+                  <a:srgbClr val="00AF50"/>
+                </a:solidFill>
+                <a:latin typeface="微软雅黑" panose="020B0503020204020204" charset="-122"/>
+                <a:cs typeface="微软雅黑" panose="020B0503020204020204" charset="-122"/>
+              </a:rPr>
+              <a:t>证据（E</a:t>
+            </a:r>
+            <a:r>
+              <a:rPr sz="1600" b="1" spc="5" dirty="0">
+                <a:solidFill>
+                  <a:srgbClr val="00AF50"/>
+                </a:solidFill>
+                <a:latin typeface="微软雅黑" panose="020B0503020204020204" charset="-122"/>
+                <a:cs typeface="微软雅黑" panose="020B0503020204020204" charset="-122"/>
+              </a:rPr>
+              <a:t>v</a:t>
+            </a:r>
+            <a:r>
+              <a:rPr sz="1600" b="1" spc="-5" dirty="0">
+                <a:solidFill>
+                  <a:srgbClr val="00AF50"/>
+                </a:solidFill>
+                <a:latin typeface="微软雅黑" panose="020B0503020204020204" charset="-122"/>
+                <a:cs typeface="微软雅黑" panose="020B0503020204020204" charset="-122"/>
+              </a:rPr>
+              <a:t>id</a:t>
+            </a:r>
+            <a:r>
+              <a:rPr sz="1600" b="1" dirty="0">
+                <a:solidFill>
+                  <a:srgbClr val="00AF50"/>
+                </a:solidFill>
+                <a:latin typeface="微软雅黑" panose="020B0503020204020204" charset="-122"/>
+                <a:cs typeface="微软雅黑" panose="020B0503020204020204" charset="-122"/>
+              </a:rPr>
+              <a:t>e</a:t>
+            </a:r>
+            <a:r>
+              <a:rPr sz="1600" b="1" spc="-5" dirty="0">
+                <a:solidFill>
+                  <a:srgbClr val="00AF50"/>
+                </a:solidFill>
+                <a:latin typeface="微软雅黑" panose="020B0503020204020204" charset="-122"/>
+                <a:cs typeface="微软雅黑" panose="020B0503020204020204" charset="-122"/>
+              </a:rPr>
+              <a:t>n</a:t>
+            </a:r>
+            <a:r>
+              <a:rPr sz="1600" b="1" spc="5" dirty="0">
+                <a:solidFill>
+                  <a:srgbClr val="00AF50"/>
+                </a:solidFill>
+                <a:latin typeface="微软雅黑" panose="020B0503020204020204" charset="-122"/>
+                <a:cs typeface="微软雅黑" panose="020B0503020204020204" charset="-122"/>
+              </a:rPr>
+              <a:t>ce</a:t>
+            </a:r>
+            <a:r>
+              <a:rPr sz="1600" b="1" spc="-5" dirty="0">
+                <a:solidFill>
+                  <a:srgbClr val="00AF50"/>
+                </a:solidFill>
+                <a:latin typeface="微软雅黑" panose="020B0503020204020204" charset="-122"/>
+                <a:cs typeface="微软雅黑" panose="020B0503020204020204" charset="-122"/>
+              </a:rPr>
+              <a:t>）</a:t>
+            </a:r>
+            <a:r>
+              <a:rPr sz="1600" spc="-5" dirty="0">
+                <a:latin typeface="微软雅黑" panose="020B0503020204020204" charset="-122"/>
+                <a:cs typeface="微软雅黑" panose="020B0503020204020204" charset="-122"/>
+              </a:rPr>
+              <a:t>：即</a:t>
+            </a:r>
+            <a:r>
+              <a:rPr sz="1600" spc="5" dirty="0">
+                <a:latin typeface="微软雅黑" panose="020B0503020204020204" charset="-122"/>
+                <a:cs typeface="微软雅黑" panose="020B0503020204020204" charset="-122"/>
+              </a:rPr>
+              <a:t>上</a:t>
+            </a:r>
+            <a:r>
+              <a:rPr sz="1600" spc="-5" dirty="0">
+                <a:latin typeface="微软雅黑" panose="020B0503020204020204" charset="-122"/>
+                <a:cs typeface="微软雅黑" panose="020B0503020204020204" charset="-122"/>
+              </a:rPr>
+              <a:t>式</a:t>
+            </a:r>
+            <a:r>
+              <a:rPr sz="1600" dirty="0">
+                <a:latin typeface="微软雅黑" panose="020B0503020204020204" charset="-122"/>
+                <a:cs typeface="微软雅黑" panose="020B0503020204020204" charset="-122"/>
+              </a:rPr>
+              <a:t>P</a:t>
+            </a:r>
+            <a:r>
+              <a:rPr sz="1600" spc="-10" dirty="0">
+                <a:latin typeface="微软雅黑" panose="020B0503020204020204" charset="-122"/>
+                <a:cs typeface="微软雅黑" panose="020B0503020204020204" charset="-122"/>
+              </a:rPr>
+              <a:t>(F</a:t>
+            </a:r>
+            <a:r>
+              <a:rPr sz="1600" spc="-5" dirty="0">
+                <a:latin typeface="微软雅黑" panose="020B0503020204020204" charset="-122"/>
+                <a:cs typeface="微软雅黑" panose="020B0503020204020204" charset="-122"/>
+              </a:rPr>
+              <a:t>1</a:t>
+            </a:r>
+            <a:r>
+              <a:rPr sz="1600" dirty="0">
+                <a:latin typeface="微软雅黑" panose="020B0503020204020204" charset="-122"/>
+                <a:cs typeface="微软雅黑" panose="020B0503020204020204" charset="-122"/>
+              </a:rPr>
+              <a:t>)</a:t>
+            </a:r>
+            <a:r>
+              <a:rPr sz="1600" spc="-5" dirty="0">
+                <a:latin typeface="微软雅黑" panose="020B0503020204020204" charset="-122"/>
+                <a:cs typeface="微软雅黑" panose="020B0503020204020204" charset="-122"/>
+              </a:rPr>
+              <a:t>，表示</a:t>
+            </a:r>
+            <a:r>
+              <a:rPr sz="1600" spc="5" dirty="0">
+                <a:latin typeface="微软雅黑" panose="020B0503020204020204" charset="-122"/>
+                <a:cs typeface="微软雅黑" panose="020B0503020204020204" charset="-122"/>
+              </a:rPr>
+              <a:t>对</a:t>
+            </a:r>
+            <a:r>
+              <a:rPr sz="1600" spc="-5" dirty="0">
+                <a:latin typeface="微软雅黑" panose="020B0503020204020204" charset="-122"/>
+                <a:cs typeface="微软雅黑" panose="020B0503020204020204" charset="-122"/>
+              </a:rPr>
+              <a:t>于某</a:t>
+            </a:r>
+            <a:r>
+              <a:rPr sz="1600" spc="5" dirty="0">
+                <a:latin typeface="微软雅黑" panose="020B0503020204020204" charset="-122"/>
+                <a:cs typeface="微软雅黑" panose="020B0503020204020204" charset="-122"/>
+              </a:rPr>
+              <a:t>测</a:t>
+            </a:r>
+            <a:r>
+              <a:rPr sz="1600" spc="-5" dirty="0">
+                <a:latin typeface="微软雅黑" panose="020B0503020204020204" charset="-122"/>
+                <a:cs typeface="微软雅黑" panose="020B0503020204020204" charset="-122"/>
+              </a:rPr>
+              <a:t>试样本， </a:t>
+            </a:r>
+            <a:r>
+              <a:rPr sz="1600" spc="-5" dirty="0">
+                <a:latin typeface="微软雅黑" panose="020B0503020204020204" charset="-122"/>
+                <a:cs typeface="微软雅黑" panose="020B0503020204020204" charset="-122"/>
+              </a:rPr>
+              <a:t>特征F1出现的概率。同样可以从训练</a:t>
+            </a:r>
+            <a:r>
+              <a:rPr sz="1600" spc="5" dirty="0">
+                <a:latin typeface="微软雅黑" panose="020B0503020204020204" charset="-122"/>
+                <a:cs typeface="微软雅黑" panose="020B0503020204020204" charset="-122"/>
+              </a:rPr>
+              <a:t>集</a:t>
+            </a:r>
+            <a:r>
+              <a:rPr sz="1600" spc="-5" dirty="0">
+                <a:latin typeface="微软雅黑" panose="020B0503020204020204" charset="-122"/>
+                <a:cs typeface="微软雅黑" panose="020B0503020204020204" charset="-122"/>
+              </a:rPr>
+              <a:t>中F1特</a:t>
+            </a:r>
+            <a:r>
+              <a:rPr sz="1600" spc="5" dirty="0">
+                <a:latin typeface="微软雅黑" panose="020B0503020204020204" charset="-122"/>
+                <a:cs typeface="微软雅黑" panose="020B0503020204020204" charset="-122"/>
+              </a:rPr>
+              <a:t>征</a:t>
+            </a:r>
+            <a:r>
+              <a:rPr sz="1600" spc="-5" dirty="0">
+                <a:latin typeface="微软雅黑" panose="020B0503020204020204" charset="-122"/>
+                <a:cs typeface="微软雅黑" panose="020B0503020204020204" charset="-122"/>
+              </a:rPr>
+              <a:t>对应</a:t>
+            </a:r>
+            <a:r>
+              <a:rPr sz="1600" spc="5" dirty="0">
+                <a:latin typeface="微软雅黑" panose="020B0503020204020204" charset="-122"/>
+                <a:cs typeface="微软雅黑" panose="020B0503020204020204" charset="-122"/>
+              </a:rPr>
+              <a:t>样</a:t>
+            </a:r>
+            <a:r>
+              <a:rPr sz="1600" spc="-5" dirty="0">
+                <a:latin typeface="微软雅黑" panose="020B0503020204020204" charset="-122"/>
+                <a:cs typeface="微软雅黑" panose="020B0503020204020204" charset="-122"/>
+              </a:rPr>
+              <a:t>本 </a:t>
+            </a:r>
+            <a:r>
+              <a:rPr sz="1600" spc="-10" dirty="0">
+                <a:latin typeface="微软雅黑" panose="020B0503020204020204" charset="-122"/>
+                <a:cs typeface="微软雅黑" panose="020B0503020204020204" charset="-122"/>
+              </a:rPr>
+              <a:t>所占总样本的比例得出。</a:t>
+            </a:r>
+            <a:endParaRPr sz="1600">
+              <a:latin typeface="微软雅黑" panose="020B0503020204020204" charset="-122"/>
+              <a:cs typeface="微软雅黑" panose="020B0503020204020204" charset="-122"/>
+            </a:endParaRPr>
+          </a:p>
+          <a:p>
+            <a:pPr marL="12700" marR="117475">
+              <a:lnSpc>
+                <a:spcPts val="3160"/>
+              </a:lnSpc>
+              <a:spcBef>
+                <a:spcPts val="30"/>
+              </a:spcBef>
+            </a:pPr>
+            <a:r>
+              <a:rPr sz="1600" b="1" spc="-5" dirty="0">
+                <a:solidFill>
+                  <a:srgbClr val="00AF50"/>
+                </a:solidFill>
+                <a:latin typeface="微软雅黑" panose="020B0503020204020204" charset="-122"/>
+                <a:cs typeface="微软雅黑" panose="020B0503020204020204" charset="-122"/>
+              </a:rPr>
+              <a:t>似然</a:t>
+            </a:r>
+            <a:r>
+              <a:rPr sz="1600" b="1" spc="-10" dirty="0">
+                <a:solidFill>
+                  <a:srgbClr val="00AF50"/>
+                </a:solidFill>
+                <a:latin typeface="微软雅黑" panose="020B0503020204020204" charset="-122"/>
+                <a:cs typeface="微软雅黑" panose="020B0503020204020204" charset="-122"/>
+              </a:rPr>
+              <a:t>（likelihood）：</a:t>
+            </a:r>
+            <a:r>
+              <a:rPr sz="1600" spc="-5" dirty="0">
+                <a:latin typeface="微软雅黑" panose="020B0503020204020204" charset="-122"/>
+                <a:cs typeface="微软雅黑" panose="020B0503020204020204" charset="-122"/>
+              </a:rPr>
+              <a:t>即上式P(F1|C)，表示</a:t>
+            </a:r>
+            <a:r>
+              <a:rPr sz="1600" spc="5" dirty="0">
+                <a:latin typeface="微软雅黑" panose="020B0503020204020204" charset="-122"/>
+                <a:cs typeface="微软雅黑" panose="020B0503020204020204" charset="-122"/>
+              </a:rPr>
+              <a:t>如</a:t>
+            </a:r>
+            <a:r>
+              <a:rPr sz="1600" spc="-5" dirty="0">
+                <a:latin typeface="微软雅黑" panose="020B0503020204020204" charset="-122"/>
+                <a:cs typeface="微软雅黑" panose="020B0503020204020204" charset="-122"/>
+              </a:rPr>
+              <a:t>果知</a:t>
+            </a:r>
+            <a:r>
+              <a:rPr sz="1600" spc="5" dirty="0">
+                <a:latin typeface="微软雅黑" panose="020B0503020204020204" charset="-122"/>
+                <a:cs typeface="微软雅黑" panose="020B0503020204020204" charset="-122"/>
+              </a:rPr>
+              <a:t>道</a:t>
+            </a:r>
+            <a:r>
+              <a:rPr sz="1600" spc="-5" dirty="0">
+                <a:latin typeface="微软雅黑" panose="020B0503020204020204" charset="-122"/>
+                <a:cs typeface="微软雅黑" panose="020B0503020204020204" charset="-122"/>
+              </a:rPr>
+              <a:t>一个 样本分为C类，那么他的特征为F1</a:t>
+            </a:r>
+            <a:r>
+              <a:rPr sz="1600" spc="5" dirty="0">
+                <a:latin typeface="微软雅黑" panose="020B0503020204020204" charset="-122"/>
+                <a:cs typeface="微软雅黑" panose="020B0503020204020204" charset="-122"/>
+              </a:rPr>
+              <a:t>的</a:t>
+            </a:r>
+            <a:r>
+              <a:rPr sz="1600" spc="-5" dirty="0">
+                <a:latin typeface="微软雅黑" panose="020B0503020204020204" charset="-122"/>
+                <a:cs typeface="微软雅黑" panose="020B0503020204020204" charset="-122"/>
+              </a:rPr>
+              <a:t>概率</a:t>
+            </a:r>
+            <a:r>
+              <a:rPr sz="1600" spc="5" dirty="0">
+                <a:latin typeface="微软雅黑" panose="020B0503020204020204" charset="-122"/>
+                <a:cs typeface="微软雅黑" panose="020B0503020204020204" charset="-122"/>
+              </a:rPr>
+              <a:t>是</a:t>
+            </a:r>
+            <a:r>
+              <a:rPr sz="1600" spc="-5" dirty="0">
+                <a:latin typeface="微软雅黑" panose="020B0503020204020204" charset="-122"/>
+                <a:cs typeface="微软雅黑" panose="020B0503020204020204" charset="-122"/>
+              </a:rPr>
+              <a:t>多少</a:t>
+            </a:r>
+            <a:r>
+              <a:rPr sz="1800" dirty="0">
+                <a:latin typeface="宋体" panose="02010600030101010101" pitchFamily="2" charset="-122"/>
+                <a:cs typeface="宋体" panose="02010600030101010101" pitchFamily="2" charset="-122"/>
+              </a:rPr>
+              <a:t>。</a:t>
+            </a:r>
+            <a:endParaRPr sz="1800">
+              <a:latin typeface="宋体" panose="02010600030101010101" pitchFamily="2" charset="-122"/>
+              <a:cs typeface="宋体" panose="02010600030101010101" pitchFamily="2" charset="-122"/>
+            </a:endParaRPr>
+          </a:p>
+        </p:txBody>
+      </p:sp>
+      <p:sp>
+        <p:nvSpPr>
+          <p:cNvPr id="7" name="object 7"/>
           <p:cNvSpPr/>
           <p:nvPr/>
         </p:nvSpPr>
         <p:spPr>
           <a:xfrm>
-            <a:off x="7534673" y="2563367"/>
-            <a:ext cx="2895933" cy="533400"/>
+            <a:off x="2418963" y="5331270"/>
+            <a:ext cx="2923815" cy="1304264"/>
           </a:xfrm>
           <a:prstGeom prst="rect">
             <a:avLst/>
@@ -1651,564 +2321,6 @@
       </p:sp>
       <p:sp>
         <p:nvSpPr>
-          <p:cNvPr id="6" name="object 6"/>
-          <p:cNvSpPr txBox="1"/>
-          <p:nvPr/>
-        </p:nvSpPr>
-        <p:spPr>
-          <a:xfrm>
-            <a:off x="6766052" y="3748430"/>
-            <a:ext cx="5274310" cy="2626995"/>
-          </a:xfrm>
-          <a:prstGeom prst="rect">
-            <a:avLst/>
-          </a:prstGeom>
-        </p:spPr>
-        <p:txBody>
-          <a:bodyPr wrap="square" lIns="0" tIns="12700" rIns="0" bIns="0" rtlCol="0" vert="horz">
-            <a:spAutoFit/>
-          </a:bodyPr>
-          <a:lstStyle/>
-          <a:p>
-            <a:pPr marL="12700" marR="165100">
-              <a:lnSpc>
-                <a:spcPct val="150200"/>
-              </a:lnSpc>
-              <a:spcBef>
-                <a:spcPts val="100"/>
-              </a:spcBef>
-            </a:pPr>
-            <a:r>
-              <a:rPr dirty="0" sz="1600" spc="-5" b="1">
-                <a:solidFill>
-                  <a:srgbClr val="00AF50"/>
-                </a:solidFill>
-                <a:latin typeface="微软雅黑"/>
-                <a:cs typeface="微软雅黑"/>
-              </a:rPr>
-              <a:t>先验概率（</a:t>
-            </a:r>
-            <a:r>
-              <a:rPr dirty="0" sz="1600" spc="-10" b="1">
-                <a:solidFill>
-                  <a:srgbClr val="00AF50"/>
-                </a:solidFill>
-                <a:latin typeface="微软雅黑"/>
-                <a:cs typeface="微软雅黑"/>
-              </a:rPr>
-              <a:t>Prior</a:t>
-            </a:r>
-            <a:r>
-              <a:rPr dirty="0" sz="1600" spc="-5" b="1">
-                <a:solidFill>
-                  <a:srgbClr val="00AF50"/>
-                </a:solidFill>
-                <a:latin typeface="微软雅黑"/>
-                <a:cs typeface="微软雅黑"/>
-              </a:rPr>
-              <a:t>）</a:t>
-            </a:r>
-            <a:r>
-              <a:rPr dirty="0" sz="1600" spc="-5">
-                <a:latin typeface="微软雅黑"/>
-                <a:cs typeface="微软雅黑"/>
-              </a:rPr>
-              <a:t>：</a:t>
-            </a:r>
-            <a:r>
-              <a:rPr dirty="0" sz="1600">
-                <a:latin typeface="微软雅黑"/>
-                <a:cs typeface="微软雅黑"/>
-              </a:rPr>
-              <a:t>P</a:t>
-            </a:r>
-            <a:r>
-              <a:rPr dirty="0" sz="1600" spc="-5">
-                <a:latin typeface="微软雅黑"/>
-                <a:cs typeface="微软雅黑"/>
-              </a:rPr>
-              <a:t>(C</a:t>
-            </a:r>
-            <a:r>
-              <a:rPr dirty="0" sz="1600" spc="5">
-                <a:latin typeface="微软雅黑"/>
-                <a:cs typeface="微软雅黑"/>
-              </a:rPr>
-              <a:t>)</a:t>
-            </a:r>
-            <a:r>
-              <a:rPr dirty="0" sz="1600" spc="-5">
-                <a:latin typeface="微软雅黑"/>
-                <a:cs typeface="微软雅黑"/>
-              </a:rPr>
-              <a:t>是</a:t>
-            </a:r>
-            <a:r>
-              <a:rPr dirty="0" sz="1600" spc="5">
-                <a:latin typeface="微软雅黑"/>
-                <a:cs typeface="微软雅黑"/>
-              </a:rPr>
-              <a:t>C</a:t>
-            </a:r>
-            <a:r>
-              <a:rPr dirty="0" sz="1600" spc="-5">
-                <a:latin typeface="微软雅黑"/>
-                <a:cs typeface="微软雅黑"/>
-              </a:rPr>
-              <a:t>的先</a:t>
-            </a:r>
-            <a:r>
-              <a:rPr dirty="0" sz="1600" spc="5">
-                <a:latin typeface="微软雅黑"/>
-                <a:cs typeface="微软雅黑"/>
-              </a:rPr>
-              <a:t>验</a:t>
-            </a:r>
-            <a:r>
-              <a:rPr dirty="0" sz="1600" spc="-5">
-                <a:latin typeface="微软雅黑"/>
-                <a:cs typeface="微软雅黑"/>
-              </a:rPr>
-              <a:t>概率</a:t>
-            </a:r>
-            <a:r>
-              <a:rPr dirty="0" sz="1600" spc="5">
-                <a:latin typeface="微软雅黑"/>
-                <a:cs typeface="微软雅黑"/>
-              </a:rPr>
-              <a:t>，</a:t>
-            </a:r>
-            <a:r>
-              <a:rPr dirty="0" sz="1600" spc="-5">
-                <a:latin typeface="微软雅黑"/>
-                <a:cs typeface="微软雅黑"/>
-              </a:rPr>
-              <a:t>可以</a:t>
-            </a:r>
-            <a:r>
-              <a:rPr dirty="0" sz="1600" spc="5">
-                <a:latin typeface="微软雅黑"/>
-                <a:cs typeface="微软雅黑"/>
-              </a:rPr>
-              <a:t>从</a:t>
-            </a:r>
-            <a:r>
-              <a:rPr dirty="0" sz="1600" spc="-5">
-                <a:latin typeface="微软雅黑"/>
-                <a:cs typeface="微软雅黑"/>
-              </a:rPr>
-              <a:t>已有的 </a:t>
-            </a:r>
-            <a:r>
-              <a:rPr dirty="0" sz="1600" spc="-5">
-                <a:latin typeface="微软雅黑"/>
-                <a:cs typeface="微软雅黑"/>
-              </a:rPr>
-              <a:t>训练集中计算分为C类的样本占</a:t>
-            </a:r>
-            <a:r>
-              <a:rPr dirty="0" sz="1600" spc="5">
-                <a:latin typeface="微软雅黑"/>
-                <a:cs typeface="微软雅黑"/>
-              </a:rPr>
-              <a:t>所</a:t>
-            </a:r>
-            <a:r>
-              <a:rPr dirty="0" sz="1600" spc="-5">
-                <a:latin typeface="微软雅黑"/>
-                <a:cs typeface="微软雅黑"/>
-              </a:rPr>
-              <a:t>有样</a:t>
-            </a:r>
-            <a:r>
-              <a:rPr dirty="0" sz="1600" spc="5">
-                <a:latin typeface="微软雅黑"/>
-                <a:cs typeface="微软雅黑"/>
-              </a:rPr>
-              <a:t>本</a:t>
-            </a:r>
-            <a:r>
-              <a:rPr dirty="0" sz="1600" spc="-5">
-                <a:latin typeface="微软雅黑"/>
-                <a:cs typeface="微软雅黑"/>
-              </a:rPr>
-              <a:t>的比</a:t>
-            </a:r>
-            <a:r>
-              <a:rPr dirty="0" sz="1600" spc="5">
-                <a:latin typeface="微软雅黑"/>
-                <a:cs typeface="微软雅黑"/>
-              </a:rPr>
-              <a:t>重</a:t>
-            </a:r>
-            <a:r>
-              <a:rPr dirty="0" sz="1600" spc="-5">
-                <a:latin typeface="微软雅黑"/>
-                <a:cs typeface="微软雅黑"/>
-              </a:rPr>
-              <a:t>得出。</a:t>
-            </a:r>
-            <a:endParaRPr sz="1600">
-              <a:latin typeface="微软雅黑"/>
-              <a:cs typeface="微软雅黑"/>
-            </a:endParaRPr>
-          </a:p>
-          <a:p>
-            <a:pPr marL="12700" marR="5080">
-              <a:lnSpc>
-                <a:spcPct val="150000"/>
-              </a:lnSpc>
-            </a:pPr>
-            <a:r>
-              <a:rPr dirty="0" sz="1600" spc="-5" b="1">
-                <a:solidFill>
-                  <a:srgbClr val="00AF50"/>
-                </a:solidFill>
-                <a:latin typeface="微软雅黑"/>
-                <a:cs typeface="微软雅黑"/>
-              </a:rPr>
-              <a:t>证据（E</a:t>
-            </a:r>
-            <a:r>
-              <a:rPr dirty="0" sz="1600" spc="5" b="1">
-                <a:solidFill>
-                  <a:srgbClr val="00AF50"/>
-                </a:solidFill>
-                <a:latin typeface="微软雅黑"/>
-                <a:cs typeface="微软雅黑"/>
-              </a:rPr>
-              <a:t>v</a:t>
-            </a:r>
-            <a:r>
-              <a:rPr dirty="0" sz="1600" spc="-5" b="1">
-                <a:solidFill>
-                  <a:srgbClr val="00AF50"/>
-                </a:solidFill>
-                <a:latin typeface="微软雅黑"/>
-                <a:cs typeface="微软雅黑"/>
-              </a:rPr>
-              <a:t>id</a:t>
-            </a:r>
-            <a:r>
-              <a:rPr dirty="0" sz="1600" b="1">
-                <a:solidFill>
-                  <a:srgbClr val="00AF50"/>
-                </a:solidFill>
-                <a:latin typeface="微软雅黑"/>
-                <a:cs typeface="微软雅黑"/>
-              </a:rPr>
-              <a:t>e</a:t>
-            </a:r>
-            <a:r>
-              <a:rPr dirty="0" sz="1600" spc="-5" b="1">
-                <a:solidFill>
-                  <a:srgbClr val="00AF50"/>
-                </a:solidFill>
-                <a:latin typeface="微软雅黑"/>
-                <a:cs typeface="微软雅黑"/>
-              </a:rPr>
-              <a:t>n</a:t>
-            </a:r>
-            <a:r>
-              <a:rPr dirty="0" sz="1600" spc="5" b="1">
-                <a:solidFill>
-                  <a:srgbClr val="00AF50"/>
-                </a:solidFill>
-                <a:latin typeface="微软雅黑"/>
-                <a:cs typeface="微软雅黑"/>
-              </a:rPr>
-              <a:t>ce</a:t>
-            </a:r>
-            <a:r>
-              <a:rPr dirty="0" sz="1600" spc="-5" b="1">
-                <a:solidFill>
-                  <a:srgbClr val="00AF50"/>
-                </a:solidFill>
-                <a:latin typeface="微软雅黑"/>
-                <a:cs typeface="微软雅黑"/>
-              </a:rPr>
-              <a:t>）</a:t>
-            </a:r>
-            <a:r>
-              <a:rPr dirty="0" sz="1600" spc="-5">
-                <a:latin typeface="微软雅黑"/>
-                <a:cs typeface="微软雅黑"/>
-              </a:rPr>
-              <a:t>：即</a:t>
-            </a:r>
-            <a:r>
-              <a:rPr dirty="0" sz="1600" spc="5">
-                <a:latin typeface="微软雅黑"/>
-                <a:cs typeface="微软雅黑"/>
-              </a:rPr>
-              <a:t>上</a:t>
-            </a:r>
-            <a:r>
-              <a:rPr dirty="0" sz="1600" spc="-5">
-                <a:latin typeface="微软雅黑"/>
-                <a:cs typeface="微软雅黑"/>
-              </a:rPr>
-              <a:t>式</a:t>
-            </a:r>
-            <a:r>
-              <a:rPr dirty="0" sz="1600">
-                <a:latin typeface="微软雅黑"/>
-                <a:cs typeface="微软雅黑"/>
-              </a:rPr>
-              <a:t>P</a:t>
-            </a:r>
-            <a:r>
-              <a:rPr dirty="0" sz="1600" spc="-10">
-                <a:latin typeface="微软雅黑"/>
-                <a:cs typeface="微软雅黑"/>
-              </a:rPr>
-              <a:t>(F</a:t>
-            </a:r>
-            <a:r>
-              <a:rPr dirty="0" sz="1600" spc="-5">
-                <a:latin typeface="微软雅黑"/>
-                <a:cs typeface="微软雅黑"/>
-              </a:rPr>
-              <a:t>1</a:t>
-            </a:r>
-            <a:r>
-              <a:rPr dirty="0" sz="1600">
-                <a:latin typeface="微软雅黑"/>
-                <a:cs typeface="微软雅黑"/>
-              </a:rPr>
-              <a:t>)</a:t>
-            </a:r>
-            <a:r>
-              <a:rPr dirty="0" sz="1600" spc="-5">
-                <a:latin typeface="微软雅黑"/>
-                <a:cs typeface="微软雅黑"/>
-              </a:rPr>
-              <a:t>，表示</a:t>
-            </a:r>
-            <a:r>
-              <a:rPr dirty="0" sz="1600" spc="5">
-                <a:latin typeface="微软雅黑"/>
-                <a:cs typeface="微软雅黑"/>
-              </a:rPr>
-              <a:t>对</a:t>
-            </a:r>
-            <a:r>
-              <a:rPr dirty="0" sz="1600" spc="-5">
-                <a:latin typeface="微软雅黑"/>
-                <a:cs typeface="微软雅黑"/>
-              </a:rPr>
-              <a:t>于某</a:t>
-            </a:r>
-            <a:r>
-              <a:rPr dirty="0" sz="1600" spc="5">
-                <a:latin typeface="微软雅黑"/>
-                <a:cs typeface="微软雅黑"/>
-              </a:rPr>
-              <a:t>测</a:t>
-            </a:r>
-            <a:r>
-              <a:rPr dirty="0" sz="1600" spc="-5">
-                <a:latin typeface="微软雅黑"/>
-                <a:cs typeface="微软雅黑"/>
-              </a:rPr>
-              <a:t>试样本， </a:t>
-            </a:r>
-            <a:r>
-              <a:rPr dirty="0" sz="1600" spc="-5">
-                <a:latin typeface="微软雅黑"/>
-                <a:cs typeface="微软雅黑"/>
-              </a:rPr>
-              <a:t>特征F1出现的概率。同样可以从训练</a:t>
-            </a:r>
-            <a:r>
-              <a:rPr dirty="0" sz="1600" spc="5">
-                <a:latin typeface="微软雅黑"/>
-                <a:cs typeface="微软雅黑"/>
-              </a:rPr>
-              <a:t>集</a:t>
-            </a:r>
-            <a:r>
-              <a:rPr dirty="0" sz="1600" spc="-5">
-                <a:latin typeface="微软雅黑"/>
-                <a:cs typeface="微软雅黑"/>
-              </a:rPr>
-              <a:t>中F1特</a:t>
-            </a:r>
-            <a:r>
-              <a:rPr dirty="0" sz="1600" spc="5">
-                <a:latin typeface="微软雅黑"/>
-                <a:cs typeface="微软雅黑"/>
-              </a:rPr>
-              <a:t>征</a:t>
-            </a:r>
-            <a:r>
-              <a:rPr dirty="0" sz="1600" spc="-5">
-                <a:latin typeface="微软雅黑"/>
-                <a:cs typeface="微软雅黑"/>
-              </a:rPr>
-              <a:t>对应</a:t>
-            </a:r>
-            <a:r>
-              <a:rPr dirty="0" sz="1600" spc="5">
-                <a:latin typeface="微软雅黑"/>
-                <a:cs typeface="微软雅黑"/>
-              </a:rPr>
-              <a:t>样</a:t>
-            </a:r>
-            <a:r>
-              <a:rPr dirty="0" sz="1600" spc="-5">
-                <a:latin typeface="微软雅黑"/>
-                <a:cs typeface="微软雅黑"/>
-              </a:rPr>
-              <a:t>本 </a:t>
-            </a:r>
-            <a:r>
-              <a:rPr dirty="0" sz="1600" spc="-10">
-                <a:latin typeface="微软雅黑"/>
-                <a:cs typeface="微软雅黑"/>
-              </a:rPr>
-              <a:t>所占总样本的比例得出。</a:t>
-            </a:r>
-            <a:endParaRPr sz="1600">
-              <a:latin typeface="微软雅黑"/>
-              <a:cs typeface="微软雅黑"/>
-            </a:endParaRPr>
-          </a:p>
-          <a:p>
-            <a:pPr marL="12700" marR="117475">
-              <a:lnSpc>
-                <a:spcPts val="3160"/>
-              </a:lnSpc>
-              <a:spcBef>
-                <a:spcPts val="30"/>
-              </a:spcBef>
-            </a:pPr>
-            <a:r>
-              <a:rPr dirty="0" sz="1600" spc="-5" b="1">
-                <a:solidFill>
-                  <a:srgbClr val="00AF50"/>
-                </a:solidFill>
-                <a:latin typeface="微软雅黑"/>
-                <a:cs typeface="微软雅黑"/>
-              </a:rPr>
-              <a:t>似然</a:t>
-            </a:r>
-            <a:r>
-              <a:rPr dirty="0" sz="1600" spc="-10" b="1">
-                <a:solidFill>
-                  <a:srgbClr val="00AF50"/>
-                </a:solidFill>
-                <a:latin typeface="微软雅黑"/>
-                <a:cs typeface="微软雅黑"/>
-              </a:rPr>
-              <a:t>（likelihood）：</a:t>
-            </a:r>
-            <a:r>
-              <a:rPr dirty="0" sz="1600" spc="-5">
-                <a:latin typeface="微软雅黑"/>
-                <a:cs typeface="微软雅黑"/>
-              </a:rPr>
-              <a:t>即上式P(F1|C)，表示</a:t>
-            </a:r>
-            <a:r>
-              <a:rPr dirty="0" sz="1600" spc="5">
-                <a:latin typeface="微软雅黑"/>
-                <a:cs typeface="微软雅黑"/>
-              </a:rPr>
-              <a:t>如</a:t>
-            </a:r>
-            <a:r>
-              <a:rPr dirty="0" sz="1600" spc="-5">
-                <a:latin typeface="微软雅黑"/>
-                <a:cs typeface="微软雅黑"/>
-              </a:rPr>
-              <a:t>果知</a:t>
-            </a:r>
-            <a:r>
-              <a:rPr dirty="0" sz="1600" spc="5">
-                <a:latin typeface="微软雅黑"/>
-                <a:cs typeface="微软雅黑"/>
-              </a:rPr>
-              <a:t>道</a:t>
-            </a:r>
-            <a:r>
-              <a:rPr dirty="0" sz="1600" spc="-5">
-                <a:latin typeface="微软雅黑"/>
-                <a:cs typeface="微软雅黑"/>
-              </a:rPr>
-              <a:t>一个 样本分为C类，那么他的特征为F1</a:t>
-            </a:r>
-            <a:r>
-              <a:rPr dirty="0" sz="1600" spc="5">
-                <a:latin typeface="微软雅黑"/>
-                <a:cs typeface="微软雅黑"/>
-              </a:rPr>
-              <a:t>的</a:t>
-            </a:r>
-            <a:r>
-              <a:rPr dirty="0" sz="1600" spc="-5">
-                <a:latin typeface="微软雅黑"/>
-                <a:cs typeface="微软雅黑"/>
-              </a:rPr>
-              <a:t>概率</a:t>
-            </a:r>
-            <a:r>
-              <a:rPr dirty="0" sz="1600" spc="5">
-                <a:latin typeface="微软雅黑"/>
-                <a:cs typeface="微软雅黑"/>
-              </a:rPr>
-              <a:t>是</a:t>
-            </a:r>
-            <a:r>
-              <a:rPr dirty="0" sz="1600" spc="-5">
-                <a:latin typeface="微软雅黑"/>
-                <a:cs typeface="微软雅黑"/>
-              </a:rPr>
-              <a:t>多少</a:t>
-            </a:r>
-            <a:r>
-              <a:rPr dirty="0" sz="1800">
-                <a:latin typeface="宋体"/>
-                <a:cs typeface="宋体"/>
-              </a:rPr>
-              <a:t>。</a:t>
-            </a:r>
-            <a:endParaRPr sz="1800">
-              <a:latin typeface="宋体"/>
-              <a:cs typeface="宋体"/>
-            </a:endParaRPr>
-          </a:p>
-        </p:txBody>
-      </p:sp>
-      <p:sp>
-        <p:nvSpPr>
-          <p:cNvPr id="7" name="object 7"/>
-          <p:cNvSpPr/>
-          <p:nvPr/>
-        </p:nvSpPr>
-        <p:spPr>
-          <a:xfrm>
-            <a:off x="2418963" y="5331270"/>
-            <a:ext cx="2923815" cy="1304264"/>
-          </a:xfrm>
-          <a:prstGeom prst="rect">
-            <a:avLst/>
-          </a:prstGeom>
-          <a:blipFill>
-            <a:blip r:embed="rId4" cstate="print"/>
-            <a:stretch>
-              <a:fillRect/>
-            </a:stretch>
-          </a:blipFill>
-        </p:spPr>
-        <p:txBody>
-          <a:bodyPr wrap="square" lIns="0" tIns="0" rIns="0" bIns="0" rtlCol="0"/>
-          <a:lstStyle/>
-          <a:p/>
-        </p:txBody>
-      </p:sp>
-      <p:sp>
-        <p:nvSpPr>
           <p:cNvPr id="8" name="object 8"/>
           <p:cNvSpPr txBox="1"/>
           <p:nvPr/>
@@ -2223,7 +2335,7 @@
           </a:prstGeom>
         </p:spPr>
         <p:txBody>
-          <a:bodyPr wrap="square" lIns="0" tIns="12065" rIns="0" bIns="0" rtlCol="0" vert="horz">
+          <a:bodyPr vert="horz" wrap="square" lIns="0" tIns="12065" rIns="0" bIns="0" rtlCol="0">
             <a:spAutoFit/>
           </a:bodyPr>
           <a:lstStyle/>
@@ -2237,38 +2349,38 @@
               </a:spcBef>
             </a:pPr>
             <a:r>
-              <a:rPr dirty="0" sz="1600" spc="-5" b="1">
+              <a:rPr sz="1600" b="1" spc="-5" dirty="0">
                 <a:solidFill>
                   <a:srgbClr val="FF0000"/>
                 </a:solidFill>
-                <a:latin typeface="微软雅黑"/>
-                <a:cs typeface="微软雅黑"/>
+                <a:latin typeface="微软雅黑" panose="020B0503020204020204" charset="-122"/>
+                <a:cs typeface="微软雅黑" panose="020B0503020204020204" charset="-122"/>
               </a:rPr>
               <a:t>条件概</a:t>
             </a:r>
             <a:r>
-              <a:rPr dirty="0" sz="1600" spc="-15" b="1">
+              <a:rPr sz="1600" b="1" spc="-15" dirty="0">
                 <a:solidFill>
                   <a:srgbClr val="FF0000"/>
                 </a:solidFill>
-                <a:latin typeface="微软雅黑"/>
-                <a:cs typeface="微软雅黑"/>
+                <a:latin typeface="微软雅黑" panose="020B0503020204020204" charset="-122"/>
+                <a:cs typeface="微软雅黑" panose="020B0503020204020204" charset="-122"/>
               </a:rPr>
               <a:t>率</a:t>
             </a:r>
             <a:r>
-              <a:rPr dirty="0" sz="1600" spc="-5" b="1">
+              <a:rPr sz="1600" b="1" spc="-5" dirty="0">
                 <a:solidFill>
                   <a:srgbClr val="FF0000"/>
                 </a:solidFill>
-                <a:latin typeface="微软雅黑"/>
-                <a:cs typeface="微软雅黑"/>
+                <a:latin typeface="微软雅黑" panose="020B0503020204020204" charset="-122"/>
+                <a:cs typeface="微软雅黑" panose="020B0503020204020204" charset="-122"/>
               </a:rPr>
               <a:t>分布</a:t>
             </a:r>
             <a:endParaRPr sz="1600">
-              <a:latin typeface="微软雅黑"/>
-              <a:cs typeface="微软雅黑"/>
+              <a:latin typeface="微软雅黑" panose="020B0503020204020204" charset="-122"/>
+              <a:cs typeface="微软雅黑" panose="020B0503020204020204" charset="-122"/>
             </a:endParaRPr>
           </a:p>
         </p:txBody>
@@ -2289,7 +2401,7 @@
           </a:prstGeom>
         </p:spPr>
         <p:txBody>
-          <a:bodyPr wrap="square" lIns="0" tIns="12065" rIns="0" bIns="0" rtlCol="0" vert="horz">
+          <a:bodyPr vert="horz" wrap="square" lIns="0" tIns="12065" rIns="0" bIns="0" rtlCol="0">
             <a:spAutoFit/>
           </a:bodyPr>
           <a:lstStyle/>
@@ -2303,18 +2415,18 @@
               </a:spcBef>
             </a:pPr>
             <a:r>
-              <a:rPr dirty="0" sz="1900" spc="-100">
+              <a:rPr sz="1900" spc="-100" dirty="0">
                 <a:solidFill>
                   <a:srgbClr val="00AF50"/>
                 </a:solidFill>
-                <a:latin typeface="微软雅黑"/>
-                <a:cs typeface="微软雅黑"/>
+                <a:latin typeface="微软雅黑" panose="020B0503020204020204" charset="-122"/>
+                <a:cs typeface="微软雅黑" panose="020B0503020204020204" charset="-122"/>
               </a:rPr>
               <a:t>样本数据</a:t>
             </a:r>
             <a:endParaRPr sz="1900">
-              <a:latin typeface="微软雅黑"/>
-              <a:cs typeface="微软雅黑"/>
+              <a:latin typeface="微软雅黑" panose="020B0503020204020204" charset="-122"/>
+              <a:cs typeface="微软雅黑" panose="020B0503020204020204" charset="-122"/>
             </a:endParaRPr>
           </a:p>
         </p:txBody>
@@ -2451,7 +2563,7 @@
           </a:prstGeom>
         </p:spPr>
         <p:txBody>
-          <a:bodyPr wrap="square" lIns="0" tIns="13335" rIns="0" bIns="0" rtlCol="0" vert="horz">
+          <a:bodyPr vert="horz" wrap="square" lIns="0" tIns="13335" rIns="0" bIns="0" rtlCol="0">
             <a:spAutoFit/>
           </a:bodyPr>
           <a:lstStyle/>
@@ -2465,18 +2577,18 @@
               </a:spcBef>
             </a:pPr>
             <a:r>
-              <a:rPr dirty="0" sz="3200" b="1">
+              <a:rPr sz="3200" b="1" dirty="0">
                 <a:solidFill>
                   <a:srgbClr val="1B4B7B"/>
                 </a:solidFill>
-                <a:latin typeface="微软雅黑"/>
-                <a:cs typeface="微软雅黑"/>
+                <a:latin typeface="微软雅黑" panose="020B0503020204020204" charset="-122"/>
+                <a:cs typeface="微软雅黑" panose="020B0503020204020204" charset="-122"/>
               </a:rPr>
               <a:t>一个简单的贝叶斯网络</a:t>
             </a:r>
             <a:endParaRPr sz="3200">
-              <a:latin typeface="微软雅黑"/>
-              <a:cs typeface="微软雅黑"/>
+              <a:latin typeface="微软雅黑" panose="020B0503020204020204" charset="-122"/>
+              <a:cs typeface="微软雅黑" panose="020B0503020204020204" charset="-122"/>
             </a:endParaRPr>
           </a:p>
         </p:txBody>
@@ -2496,7 +2608,7 @@
             <a:avLst/>
           </a:prstGeom>
           <a:blipFill>
-            <a:blip r:embed="rId2" cstate="print"/>
+            <a:blip r:embed="rId1" cstate="print"/>
             <a:stretch>
               <a:fillRect/>
             </a:stretch>
@@ -2524,7 +2636,7 @@
           </a:prstGeom>
         </p:spPr>
         <p:txBody>
-          <a:bodyPr wrap="square" lIns="0" tIns="12065" rIns="0" bIns="0" rtlCol="0" vert="horz">
+          <a:bodyPr vert="horz" wrap="square" lIns="0" tIns="12065" rIns="0" bIns="0" rtlCol="0">
             <a:spAutoFit/>
           </a:bodyPr>
           <a:lstStyle/>
@@ -2538,18 +2650,18 @@
               </a:spcBef>
             </a:pPr>
             <a:r>
-              <a:rPr dirty="0" sz="1600" spc="-5" b="1">
+              <a:rPr sz="1600" b="1" spc="-5" dirty="0">
                 <a:solidFill>
                   <a:srgbClr val="00AF50"/>
                 </a:solidFill>
-                <a:latin typeface="微软雅黑"/>
-                <a:cs typeface="微软雅黑"/>
+                <a:latin typeface="微软雅黑" panose="020B0503020204020204" charset="-122"/>
+                <a:cs typeface="微软雅黑" panose="020B0503020204020204" charset="-122"/>
               </a:rPr>
               <a:t>有向图（联合分布概率）</a:t>
             </a:r>
             <a:endParaRPr sz="1600">
-              <a:latin typeface="微软雅黑"/>
-              <a:cs typeface="微软雅黑"/>
+              <a:latin typeface="微软雅黑" panose="020B0503020204020204" charset="-122"/>
+              <a:cs typeface="微软雅黑" panose="020B0503020204020204" charset="-122"/>
             </a:endParaRPr>
           </a:p>
         </p:txBody>
@@ -2594,10 +2706,12 @@
             <a:off x="159512" y="182956"/>
             <a:ext cx="4907280" cy="514350"/>
           </a:xfrm>
-          <a:prstGeom prst="rect"/>
+          <a:prstGeom prst="rect">
+            <a:avLst/>
+          </a:prstGeom>
         </p:spPr>
         <p:txBody>
-          <a:bodyPr wrap="square" lIns="0" tIns="13335" rIns="0" bIns="0" rtlCol="0" vert="horz">
+          <a:bodyPr vert="horz" wrap="square" lIns="0" tIns="13335" rIns="0" bIns="0" rtlCol="0">
             <a:spAutoFit/>
           </a:bodyPr>
           <a:lstStyle/>
@@ -2615,13 +2729,14 @@
               <a:t>一个“正常”的贝叶斯</a:t>
             </a:r>
             <a:r>
-              <a:rPr dirty="0" spc="-15"/>
+              <a:rPr spc="-15" dirty="0"/>
               <a:t>网</a:t>
             </a:r>
             <a:r>
-              <a:rPr dirty="0" spc="5"/>
+              <a:rPr spc="5" dirty="0"/>
               <a:t>络</a:t>
             </a:r>
+            <a:endParaRPr spc="5" dirty="0"/>
           </a:p>
         </p:txBody>
       </p:sp>
@@ -2640,7 +2755,7 @@
             <a:avLst/>
           </a:prstGeom>
           <a:blipFill>
-            <a:blip r:embed="rId2" cstate="print"/>
+            <a:blip r:embed="rId1" cstate="print"/>
             <a:stretch>
               <a:fillRect/>
             </a:stretch>
@@ -2692,10 +2807,12 @@
             <a:off x="159512" y="182956"/>
             <a:ext cx="3688079" cy="514350"/>
           </a:xfrm>
-          <a:prstGeom prst="rect"/>
+          <a:prstGeom prst="rect">
+            <a:avLst/>
+          </a:prstGeom>
         </p:spPr>
         <p:txBody>
-          <a:bodyPr wrap="square" lIns="0" tIns="13335" rIns="0" bIns="0" rtlCol="0" vert="horz">
+          <a:bodyPr vert="horz" wrap="square" lIns="0" tIns="13335" rIns="0" bIns="0" rtlCol="0">
             <a:spAutoFit/>
           </a:bodyPr>
           <a:lstStyle/>
@@ -2712,6 +2829,7 @@
               <a:rPr dirty="0"/>
               <a:t>朴素贝叶斯网络分布</a:t>
             </a:r>
+            <a:endParaRPr dirty="0"/>
           </a:p>
         </p:txBody>
       </p:sp>
@@ -3007,7 +3125,7 @@
           </a:prstGeom>
         </p:spPr>
         <p:txBody>
-          <a:bodyPr wrap="square" lIns="0" tIns="12065" rIns="0" bIns="0" rtlCol="0" vert="horz">
+          <a:bodyPr vert="horz" wrap="square" lIns="0" tIns="12065" rIns="0" bIns="0" rtlCol="0">
             <a:spAutoFit/>
           </a:bodyPr>
           <a:lstStyle/>
@@ -3021,18 +3139,18 @@
               </a:spcBef>
             </a:pPr>
             <a:r>
-              <a:rPr dirty="0" sz="1900" spc="-100">
+              <a:rPr sz="1900" spc="-100" dirty="0">
                 <a:solidFill>
                   <a:srgbClr val="FFFFFF"/>
                 </a:solidFill>
-                <a:latin typeface="微软雅黑"/>
-                <a:cs typeface="微软雅黑"/>
+                <a:latin typeface="微软雅黑" panose="020B0503020204020204" charset="-122"/>
+                <a:cs typeface="微软雅黑" panose="020B0503020204020204" charset="-122"/>
               </a:rPr>
               <a:t>抽烟</a:t>
             </a:r>
             <a:endParaRPr sz="1900">
-              <a:latin typeface="微软雅黑"/>
-              <a:cs typeface="微软雅黑"/>
+              <a:latin typeface="微软雅黑" panose="020B0503020204020204" charset="-122"/>
+              <a:cs typeface="微软雅黑" panose="020B0503020204020204" charset="-122"/>
             </a:endParaRPr>
           </a:p>
         </p:txBody>
@@ -3329,7 +3447,7 @@
           </a:prstGeom>
         </p:spPr>
         <p:txBody>
-          <a:bodyPr wrap="square" lIns="0" tIns="12065" rIns="0" bIns="0" rtlCol="0" vert="horz">
+          <a:bodyPr vert="horz" wrap="square" lIns="0" tIns="12065" rIns="0" bIns="0" rtlCol="0">
             <a:spAutoFit/>
           </a:bodyPr>
           <a:lstStyle/>
@@ -3343,18 +3461,18 @@
               </a:spcBef>
             </a:pPr>
             <a:r>
-              <a:rPr dirty="0" sz="1900" spc="-100">
+              <a:rPr sz="1900" spc="-100" dirty="0">
                 <a:solidFill>
                   <a:srgbClr val="FFFFFF"/>
                 </a:solidFill>
-                <a:latin typeface="微软雅黑"/>
-                <a:cs typeface="微软雅黑"/>
+                <a:latin typeface="微软雅黑" panose="020B0503020204020204" charset="-122"/>
+                <a:cs typeface="微软雅黑" panose="020B0503020204020204" charset="-122"/>
               </a:rPr>
               <a:t>肺癌</a:t>
             </a:r>
             <a:endParaRPr sz="1900">
-              <a:latin typeface="微软雅黑"/>
-              <a:cs typeface="微软雅黑"/>
+              <a:latin typeface="微软雅黑" panose="020B0503020204020204" charset="-122"/>
+              <a:cs typeface="微软雅黑" panose="020B0503020204020204" charset="-122"/>
             </a:endParaRPr>
           </a:p>
         </p:txBody>
@@ -3651,7 +3769,7 @@
           </a:prstGeom>
         </p:spPr>
         <p:txBody>
-          <a:bodyPr wrap="square" lIns="0" tIns="12065" rIns="0" bIns="0" rtlCol="0" vert="horz">
+          <a:bodyPr vert="horz" wrap="square" lIns="0" tIns="12065" rIns="0" bIns="0" rtlCol="0">
             <a:spAutoFit/>
           </a:bodyPr>
           <a:lstStyle/>
@@ -3665,18 +3783,18 @@
               </a:spcBef>
             </a:pPr>
             <a:r>
-              <a:rPr dirty="0" sz="1900" spc="-100">
+              <a:rPr sz="1900" spc="-100" dirty="0">
                 <a:solidFill>
                   <a:srgbClr val="FFFFFF"/>
                 </a:solidFill>
-                <a:latin typeface="微软雅黑"/>
-                <a:cs typeface="微软雅黑"/>
+                <a:latin typeface="微软雅黑" panose="020B0503020204020204" charset="-122"/>
+                <a:cs typeface="微软雅黑" panose="020B0503020204020204" charset="-122"/>
               </a:rPr>
               <a:t>支气管炎</a:t>
             </a:r>
             <a:endParaRPr sz="1900">
-              <a:latin typeface="微软雅黑"/>
-              <a:cs typeface="微软雅黑"/>
+              <a:latin typeface="微软雅黑" panose="020B0503020204020204" charset="-122"/>
+              <a:cs typeface="微软雅黑" panose="020B0503020204020204" charset="-122"/>
             </a:endParaRPr>
           </a:p>
         </p:txBody>
@@ -3973,7 +4091,7 @@
           </a:prstGeom>
         </p:spPr>
         <p:txBody>
-          <a:bodyPr wrap="square" lIns="0" tIns="12065" rIns="0" bIns="0" rtlCol="0" vert="horz">
+          <a:bodyPr vert="horz" wrap="square" lIns="0" tIns="12065" rIns="0" bIns="0" rtlCol="0">
             <a:spAutoFit/>
           </a:bodyPr>
           <a:lstStyle/>
@@ -3987,18 +4105,18 @@
               </a:spcBef>
             </a:pPr>
             <a:r>
-              <a:rPr dirty="0" sz="1900" spc="-100">
+              <a:rPr sz="1900" spc="-100" dirty="0">
                 <a:solidFill>
                   <a:srgbClr val="FFFFFF"/>
                 </a:solidFill>
-                <a:latin typeface="微软雅黑"/>
-                <a:cs typeface="微软雅黑"/>
+                <a:latin typeface="微软雅黑" panose="020B0503020204020204" charset="-122"/>
+                <a:cs typeface="微软雅黑" panose="020B0503020204020204" charset="-122"/>
               </a:rPr>
               <a:t>呼吸困难</a:t>
             </a:r>
             <a:endParaRPr sz="1900">
-              <a:latin typeface="微软雅黑"/>
-              <a:cs typeface="微软雅黑"/>
+              <a:latin typeface="微软雅黑" panose="020B0503020204020204" charset="-122"/>
+              <a:cs typeface="微软雅黑" panose="020B0503020204020204" charset="-122"/>
             </a:endParaRPr>
           </a:p>
         </p:txBody>
@@ -4295,7 +4413,7 @@
           </a:prstGeom>
         </p:spPr>
         <p:txBody>
-          <a:bodyPr wrap="square" lIns="0" tIns="12065" rIns="0" bIns="0" rtlCol="0" vert="horz">
+          <a:bodyPr vert="horz" wrap="square" lIns="0" tIns="12065" rIns="0" bIns="0" rtlCol="0">
             <a:spAutoFit/>
           </a:bodyPr>
           <a:lstStyle/>
@@ -4309,18 +4427,18 @@
               </a:spcBef>
             </a:pPr>
             <a:r>
-              <a:rPr dirty="0" sz="1900" spc="-95">
+              <a:rPr sz="1900" spc="-95" dirty="0">
                 <a:solidFill>
                   <a:srgbClr val="FFFFFF"/>
                 </a:solidFill>
-                <a:latin typeface="微软雅黑"/>
-                <a:cs typeface="微软雅黑"/>
+                <a:latin typeface="微软雅黑" panose="020B0503020204020204" charset="-122"/>
+                <a:cs typeface="微软雅黑" panose="020B0503020204020204" charset="-122"/>
               </a:rPr>
               <a:t>X光有阴影</a:t>
             </a:r>
             <a:endParaRPr sz="1900">
-              <a:latin typeface="微软雅黑"/>
-              <a:cs typeface="微软雅黑"/>
+              <a:latin typeface="微软雅黑" panose="020B0503020204020204" charset="-122"/>
+              <a:cs typeface="微软雅黑" panose="020B0503020204020204" charset="-122"/>
             </a:endParaRPr>
           </a:p>
         </p:txBody>
@@ -4989,7 +5107,7 @@
           </a:prstGeom>
         </p:spPr>
         <p:txBody>
-          <a:bodyPr wrap="square" lIns="0" tIns="12700" rIns="0" bIns="0" rtlCol="0" vert="horz">
+          <a:bodyPr vert="horz" wrap="square" lIns="0" tIns="12700" rIns="0" bIns="0" rtlCol="0">
             <a:spAutoFit/>
           </a:bodyPr>
           <a:lstStyle/>
@@ -5003,28 +5121,28 @@
               </a:spcBef>
             </a:pPr>
             <a:r>
-              <a:rPr dirty="0" sz="1800" spc="-5" b="1">
+              <a:rPr sz="1800" b="1" spc="-5" dirty="0">
                 <a:solidFill>
                   <a:srgbClr val="FF0000"/>
                 </a:solidFill>
-                <a:latin typeface="Calibri"/>
-                <a:cs typeface="Calibri"/>
+                <a:latin typeface="Calibri" panose="020F0502020204030204"/>
+                <a:cs typeface="Calibri" panose="020F0502020204030204"/>
               </a:rPr>
               <a:t>P(</a:t>
             </a:r>
             <a:r>
-              <a:rPr dirty="0" sz="1800" b="1">
+              <a:rPr sz="1800" b="1" dirty="0">
                 <a:solidFill>
                   <a:srgbClr val="FF0000"/>
                 </a:solidFill>
-                <a:latin typeface="Calibri"/>
-                <a:cs typeface="Calibri"/>
+                <a:latin typeface="Calibri" panose="020F0502020204030204"/>
+                <a:cs typeface="Calibri" panose="020F0502020204030204"/>
               </a:rPr>
               <a:t>S)</a:t>
             </a:r>
             <a:endParaRPr sz="1800">
-              <a:latin typeface="Calibri"/>
-              <a:cs typeface="Calibri"/>
+              <a:latin typeface="Calibri" panose="020F0502020204030204"/>
+              <a:cs typeface="Calibri" panose="020F0502020204030204"/>
             </a:endParaRPr>
           </a:p>
         </p:txBody>
@@ -5045,7 +5163,7 @@
           </a:prstGeom>
         </p:spPr>
         <p:txBody>
-          <a:bodyPr wrap="square" lIns="0" tIns="12700" rIns="0" bIns="0" rtlCol="0" vert="horz">
+          <a:bodyPr vert="horz" wrap="square" lIns="0" tIns="12700" rIns="0" bIns="0" rtlCol="0">
             <a:spAutoFit/>
           </a:bodyPr>
           <a:lstStyle/>
@@ -5059,18 +5177,18 @@
               </a:spcBef>
             </a:pPr>
             <a:r>
-              <a:rPr dirty="0" sz="1800" spc="-5" b="1">
+              <a:rPr sz="1800" b="1" spc="-5" dirty="0">
                 <a:solidFill>
                   <a:srgbClr val="FF0000"/>
                 </a:solidFill>
-                <a:latin typeface="Calibri"/>
-                <a:cs typeface="Calibri"/>
+                <a:latin typeface="Calibri" panose="020F0502020204030204"/>
+                <a:cs typeface="Calibri" panose="020F0502020204030204"/>
               </a:rPr>
               <a:t>P(C|S)</a:t>
             </a:r>
             <a:endParaRPr sz="1800">
-              <a:latin typeface="Calibri"/>
-              <a:cs typeface="Calibri"/>
+              <a:latin typeface="Calibri" panose="020F0502020204030204"/>
+              <a:cs typeface="Calibri" panose="020F0502020204030204"/>
             </a:endParaRPr>
           </a:p>
         </p:txBody>
@@ -5091,7 +5209,7 @@
           </a:prstGeom>
         </p:spPr>
         <p:txBody>
-          <a:bodyPr wrap="square" lIns="0" tIns="12700" rIns="0" bIns="0" rtlCol="0" vert="horz">
+          <a:bodyPr vert="horz" wrap="square" lIns="0" tIns="12700" rIns="0" bIns="0" rtlCol="0">
             <a:spAutoFit/>
           </a:bodyPr>
           <a:lstStyle/>
@@ -5105,18 +5223,18 @@
               </a:spcBef>
             </a:pPr>
             <a:r>
-              <a:rPr dirty="0" sz="1800" spc="-5" b="1">
+              <a:rPr sz="1800" b="1" spc="-5" dirty="0">
                 <a:solidFill>
                   <a:srgbClr val="FF0000"/>
                 </a:solidFill>
-                <a:latin typeface="Calibri"/>
-                <a:cs typeface="Calibri"/>
+                <a:latin typeface="Calibri" panose="020F0502020204030204"/>
+                <a:cs typeface="Calibri" panose="020F0502020204030204"/>
               </a:rPr>
               <a:t>P(B|S)</a:t>
             </a:r>
             <a:endParaRPr sz="1800">
-              <a:latin typeface="Calibri"/>
-              <a:cs typeface="Calibri"/>
+              <a:latin typeface="Calibri" panose="020F0502020204030204"/>
+              <a:cs typeface="Calibri" panose="020F0502020204030204"/>
             </a:endParaRPr>
           </a:p>
         </p:txBody>
@@ -5137,7 +5255,7 @@
           </a:prstGeom>
         </p:spPr>
         <p:txBody>
-          <a:bodyPr wrap="square" lIns="0" tIns="12700" rIns="0" bIns="0" rtlCol="0" vert="horz">
+          <a:bodyPr vert="horz" wrap="square" lIns="0" tIns="12700" rIns="0" bIns="0" rtlCol="0">
             <a:spAutoFit/>
           </a:bodyPr>
           <a:lstStyle/>
@@ -5151,18 +5269,18 @@
               </a:spcBef>
             </a:pPr>
             <a:r>
-              <a:rPr dirty="0" sz="1800" spc="-5" b="1">
+              <a:rPr sz="1800" b="1" spc="-5" dirty="0">
                 <a:solidFill>
                   <a:srgbClr val="FF0000"/>
                 </a:solidFill>
-                <a:latin typeface="Calibri"/>
-                <a:cs typeface="Calibri"/>
+                <a:latin typeface="Calibri" panose="020F0502020204030204"/>
+                <a:cs typeface="Calibri" panose="020F0502020204030204"/>
               </a:rPr>
               <a:t>P(X|C,S)</a:t>
             </a:r>
             <a:endParaRPr sz="1800">
-              <a:latin typeface="Calibri"/>
-              <a:cs typeface="Calibri"/>
+              <a:latin typeface="Calibri" panose="020F0502020204030204"/>
+              <a:cs typeface="Calibri" panose="020F0502020204030204"/>
             </a:endParaRPr>
           </a:p>
         </p:txBody>
@@ -5183,7 +5301,7 @@
           </a:prstGeom>
         </p:spPr>
         <p:txBody>
-          <a:bodyPr wrap="square" lIns="0" tIns="12700" rIns="0" bIns="0" rtlCol="0" vert="horz">
+          <a:bodyPr vert="horz" wrap="square" lIns="0" tIns="12700" rIns="0" bIns="0" rtlCol="0">
             <a:spAutoFit/>
           </a:bodyPr>
           <a:lstStyle/>
@@ -5197,18 +5315,18 @@
               </a:spcBef>
             </a:pPr>
             <a:r>
-              <a:rPr dirty="0" sz="1800" spc="-5" b="1">
+              <a:rPr sz="1800" b="1" spc="-5" dirty="0">
                 <a:solidFill>
                   <a:srgbClr val="FF0000"/>
                 </a:solidFill>
-                <a:latin typeface="Calibri"/>
-                <a:cs typeface="Calibri"/>
+                <a:latin typeface="Calibri" panose="020F0502020204030204"/>
+                <a:cs typeface="Calibri" panose="020F0502020204030204"/>
               </a:rPr>
               <a:t>P(D|C,B)</a:t>
             </a:r>
             <a:endParaRPr sz="1800">
-              <a:latin typeface="Calibri"/>
-              <a:cs typeface="Calibri"/>
+              <a:latin typeface="Calibri" panose="020F0502020204030204"/>
+              <a:cs typeface="Calibri" panose="020F0502020204030204"/>
             </a:endParaRPr>
           </a:p>
         </p:txBody>
@@ -5295,7 +5413,7 @@
         </p:nvGraphicFramePr>
         <p:xfrm>
           <a:off x="8608314" y="4088129"/>
-          <a:ext cx="2938780" cy="2316480"/>
+          <a:ext cx="2939415" cy="2315845"/>
         </p:xfrm>
         <a:graphic>
           <a:graphicData uri="http://schemas.openxmlformats.org/drawingml/2006/table">
@@ -5304,7 +5422,7 @@
                 <a:tableStyleId>{2D5ABB26-0587-4C30-8999-92F81FD0307C}</a:tableStyleId>
               </a:tblPr>
               <a:tblGrid>
-                <a:gridCol w="454659"/>
+                <a:gridCol w="454660"/>
                 <a:gridCol w="606425"/>
                 <a:gridCol w="1064260"/>
                 <a:gridCol w="814069"/>
@@ -5315,7 +5433,7 @@
                     <a:bodyPr/>
                     <a:lstStyle/>
                     <a:p>
-                      <a:pPr algn="r" marR="158750">
+                      <a:pPr marR="158750" algn="r">
                         <a:lnSpc>
                           <a:spcPct val="100000"/>
                         </a:lnSpc>
@@ -5324,22 +5442,22 @@
                         </a:spcBef>
                       </a:pPr>
                       <a:r>
-                        <a:rPr dirty="0" sz="1800" b="1">
+                        <a:rPr sz="1800" b="1" dirty="0">
                           <a:solidFill>
                             <a:srgbClr val="FFFFFF"/>
                           </a:solidFill>
-                          <a:latin typeface="Calibri"/>
-                          <a:cs typeface="Calibri"/>
+                          <a:latin typeface="Calibri" panose="020F0502020204030204"/>
+                          <a:cs typeface="Calibri" panose="020F0502020204030204"/>
                         </a:rPr>
                         <a:t>C</a:t>
                       </a:r>
                       <a:endParaRPr sz="1800">
-                        <a:latin typeface="Calibri"/>
-                        <a:cs typeface="Calibri"/>
+                        <a:latin typeface="Calibri" panose="020F0502020204030204"/>
+                        <a:cs typeface="Calibri" panose="020F0502020204030204"/>
                       </a:endParaRPr>
                     </a:p>
                   </a:txBody>
-                  <a:tcPr marL="0" marR="0" marB="0" marT="25400">
+                  <a:tcPr marL="0" marR="0" marT="25400" marB="0">
                     <a:lnB w="28575">
                       <a:solidFill>
                         <a:srgbClr val="FFFFFF"/>
@@ -5362,22 +5480,22 @@
                         </a:spcBef>
                       </a:pPr>
                       <a:r>
-                        <a:rPr dirty="0" sz="1800" b="1">
+                        <a:rPr sz="1800" b="1" dirty="0">
                           <a:solidFill>
                             <a:srgbClr val="FFFFFF"/>
                           </a:solidFill>
-                          <a:latin typeface="Calibri"/>
-                          <a:cs typeface="Calibri"/>
+                          <a:latin typeface="Calibri" panose="020F0502020204030204"/>
+                          <a:cs typeface="Calibri" panose="020F0502020204030204"/>
                         </a:rPr>
                         <a:t>B</a:t>
                       </a:r>
                       <a:endParaRPr sz="1800">
-                        <a:latin typeface="Calibri"/>
-                        <a:cs typeface="Calibri"/>
+                        <a:latin typeface="Calibri" panose="020F0502020204030204"/>
+                        <a:cs typeface="Calibri" panose="020F0502020204030204"/>
                       </a:endParaRPr>
                     </a:p>
                   </a:txBody>
-                  <a:tcPr marL="0" marR="0" marB="0" marT="25400">
+                  <a:tcPr marL="0" marR="0" marT="25400" marB="0">
                     <a:lnR w="28575">
                       <a:solidFill>
                         <a:srgbClr val="FFFFFF"/>
@@ -5397,7 +5515,7 @@
                     <a:bodyPr/>
                     <a:lstStyle/>
                     <a:p>
-                      <a:pPr algn="r" marR="174625">
+                      <a:pPr marR="174625" algn="r">
                         <a:lnSpc>
                           <a:spcPct val="100000"/>
                         </a:lnSpc>
@@ -5406,32 +5524,32 @@
                         </a:spcBef>
                       </a:pPr>
                       <a:r>
-                        <a:rPr dirty="0" sz="1800" spc="-5" b="1">
+                        <a:rPr sz="1800" b="1" spc="-5" dirty="0">
                           <a:solidFill>
                             <a:srgbClr val="FFFFFF"/>
                           </a:solidFill>
-                          <a:latin typeface="Calibri"/>
-                          <a:cs typeface="Calibri"/>
+                          <a:latin typeface="Calibri" panose="020F0502020204030204"/>
+                          <a:cs typeface="Calibri" panose="020F0502020204030204"/>
                         </a:rPr>
                         <a:t>D</a:t>
                       </a:r>
                       <a:r>
-                        <a:rPr dirty="0" sz="1800" b="1">
+                        <a:rPr sz="1800" b="1" dirty="0">
                           <a:solidFill>
                             <a:srgbClr val="FFFFFF"/>
                           </a:solidFill>
-                          <a:latin typeface="Calibri"/>
-                          <a:cs typeface="Calibri"/>
+                          <a:latin typeface="Calibri" panose="020F0502020204030204"/>
+                          <a:cs typeface="Calibri" panose="020F0502020204030204"/>
                         </a:rPr>
                         <a:t>=0</a:t>
                       </a:r>
                       <a:endParaRPr sz="1800">
-                        <a:latin typeface="Calibri"/>
-                        <a:cs typeface="Calibri"/>
+                        <a:latin typeface="Calibri" panose="020F0502020204030204"/>
+                        <a:cs typeface="Calibri" panose="020F0502020204030204"/>
                       </a:endParaRPr>
                     </a:p>
                   </a:txBody>
-                  <a:tcPr marL="0" marR="0" marB="0" marT="25400">
+                  <a:tcPr marL="0" marR="0" marT="25400" marB="0">
                     <a:lnL w="28575">
                       <a:solidFill>
                         <a:srgbClr val="FFFFFF"/>
@@ -5451,7 +5569,7 @@
                     <a:bodyPr/>
                     <a:lstStyle/>
                     <a:p>
-                      <a:pPr algn="r" marR="248920">
+                      <a:pPr marR="248920" algn="r">
                         <a:lnSpc>
                           <a:spcPct val="100000"/>
                         </a:lnSpc>
@@ -5460,32 +5578,32 @@
                         </a:spcBef>
                       </a:pPr>
                       <a:r>
-                        <a:rPr dirty="0" sz="1800" b="1">
+                        <a:rPr sz="1800" b="1" dirty="0">
                           <a:solidFill>
                             <a:srgbClr val="FFFFFF"/>
                           </a:solidFill>
-                          <a:latin typeface="Calibri"/>
-                          <a:cs typeface="Calibri"/>
+                          <a:latin typeface="Calibri" panose="020F0502020204030204"/>
+                          <a:cs typeface="Calibri" panose="020F0502020204030204"/>
                         </a:rPr>
                         <a:t>D</a:t>
                       </a:r>
                       <a:r>
-                        <a:rPr dirty="0" sz="1800" spc="-5" b="1">
+                        <a:rPr sz="1800" b="1" spc="-5" dirty="0">
                           <a:solidFill>
                             <a:srgbClr val="FFFFFF"/>
                           </a:solidFill>
-                          <a:latin typeface="Calibri"/>
-                          <a:cs typeface="Calibri"/>
+                          <a:latin typeface="Calibri" panose="020F0502020204030204"/>
+                          <a:cs typeface="Calibri" panose="020F0502020204030204"/>
                         </a:rPr>
                         <a:t>=1</a:t>
                       </a:r>
                       <a:endParaRPr sz="1800">
-                        <a:latin typeface="Calibri"/>
-                        <a:cs typeface="Calibri"/>
+                        <a:latin typeface="Calibri" panose="020F0502020204030204"/>
+                        <a:cs typeface="Calibri" panose="020F0502020204030204"/>
                       </a:endParaRPr>
                     </a:p>
                   </a:txBody>
-                  <a:tcPr marL="0" marR="0" marB="0" marT="25400">
+                  <a:tcPr marL="0" marR="0" marT="25400" marB="0">
                     <a:lnB w="28575">
                       <a:solidFill>
                         <a:srgbClr val="FFFFFF"/>
@@ -5501,7 +5619,7 @@
                     <a:bodyPr/>
                     <a:lstStyle/>
                     <a:p>
-                      <a:pPr algn="r" marR="163830">
+                      <a:pPr marR="163830" algn="r">
                         <a:lnSpc>
                           <a:spcPct val="100000"/>
                         </a:lnSpc>
@@ -5510,22 +5628,22 @@
                         </a:spcBef>
                       </a:pPr>
                       <a:r>
-                        <a:rPr dirty="0" sz="1800" b="1">
+                        <a:rPr sz="1800" b="1" dirty="0">
                           <a:solidFill>
                             <a:srgbClr val="FFFFFF"/>
                           </a:solidFill>
-                          <a:latin typeface="Calibri"/>
-                          <a:cs typeface="Calibri"/>
+                          <a:latin typeface="Calibri" panose="020F0502020204030204"/>
+                          <a:cs typeface="Calibri" panose="020F0502020204030204"/>
                         </a:rPr>
                         <a:t>0</a:t>
                       </a:r>
                       <a:endParaRPr sz="1800">
-                        <a:latin typeface="Calibri"/>
-                        <a:cs typeface="Calibri"/>
+                        <a:latin typeface="Calibri" panose="020F0502020204030204"/>
+                        <a:cs typeface="Calibri" panose="020F0502020204030204"/>
                       </a:endParaRPr>
                     </a:p>
                   </a:txBody>
-                  <a:tcPr marL="0" marR="0" marB="0" marT="153670">
+                  <a:tcPr marL="0" marR="0" marT="153670" marB="0">
                     <a:lnT w="28575">
                       <a:solidFill>
                         <a:srgbClr val="FFFFFF"/>
@@ -5548,22 +5666,22 @@
                         </a:spcBef>
                       </a:pPr>
                       <a:r>
-                        <a:rPr dirty="0" sz="1800" b="1">
+                        <a:rPr sz="1800" b="1" dirty="0">
                           <a:solidFill>
                             <a:srgbClr val="FFFFFF"/>
                           </a:solidFill>
-                          <a:latin typeface="Calibri"/>
-                          <a:cs typeface="Calibri"/>
+                          <a:latin typeface="Calibri" panose="020F0502020204030204"/>
+                          <a:cs typeface="Calibri" panose="020F0502020204030204"/>
                         </a:rPr>
                         <a:t>0</a:t>
                       </a:r>
                       <a:endParaRPr sz="1800">
-                        <a:latin typeface="Calibri"/>
-                        <a:cs typeface="Calibri"/>
+                        <a:latin typeface="Calibri" panose="020F0502020204030204"/>
+                        <a:cs typeface="Calibri" panose="020F0502020204030204"/>
                       </a:endParaRPr>
                     </a:p>
                   </a:txBody>
-                  <a:tcPr marL="0" marR="0" marB="0" marT="153670">
+                  <a:tcPr marL="0" marR="0" marT="153670" marB="0">
                     <a:lnR w="28575">
                       <a:solidFill>
                         <a:srgbClr val="FFFFFF"/>
@@ -5583,7 +5701,7 @@
                     <a:bodyPr/>
                     <a:lstStyle/>
                     <a:p>
-                      <a:pPr algn="r" marR="220979">
+                      <a:pPr marR="220980" algn="r">
                         <a:lnSpc>
                           <a:spcPct val="100000"/>
                         </a:lnSpc>
@@ -5592,22 +5710,22 @@
                         </a:spcBef>
                       </a:pPr>
                       <a:r>
-                        <a:rPr dirty="0" sz="1800" b="1">
+                        <a:rPr sz="1800" b="1" dirty="0">
                           <a:solidFill>
                             <a:srgbClr val="FFFFFF"/>
                           </a:solidFill>
-                          <a:latin typeface="Calibri"/>
-                          <a:cs typeface="Calibri"/>
+                          <a:latin typeface="Calibri" panose="020F0502020204030204"/>
+                          <a:cs typeface="Calibri" panose="020F0502020204030204"/>
                         </a:rPr>
                         <a:t>0.9</a:t>
                       </a:r>
                       <a:endParaRPr sz="1800">
-                        <a:latin typeface="Calibri"/>
-                        <a:cs typeface="Calibri"/>
+                        <a:latin typeface="Calibri" panose="020F0502020204030204"/>
+                        <a:cs typeface="Calibri" panose="020F0502020204030204"/>
                       </a:endParaRPr>
                     </a:p>
                   </a:txBody>
-                  <a:tcPr marL="0" marR="0" marB="0" marT="153670">
+                  <a:tcPr marL="0" marR="0" marT="153670" marB="0">
                     <a:lnL w="28575">
                       <a:solidFill>
                         <a:srgbClr val="FFFFFF"/>
@@ -5627,7 +5745,7 @@
                     <a:bodyPr/>
                     <a:lstStyle/>
                     <a:p>
-                      <a:pPr algn="r" marR="271145">
+                      <a:pPr marR="271145" algn="r">
                         <a:lnSpc>
                           <a:spcPct val="100000"/>
                         </a:lnSpc>
@@ -5636,22 +5754,22 @@
                         </a:spcBef>
                       </a:pPr>
                       <a:r>
-                        <a:rPr dirty="0" sz="1800" b="1">
+                        <a:rPr sz="1800" b="1" dirty="0">
                           <a:solidFill>
                             <a:srgbClr val="FFFFFF"/>
                           </a:solidFill>
-                          <a:latin typeface="Calibri"/>
-                          <a:cs typeface="Calibri"/>
+                          <a:latin typeface="Calibri" panose="020F0502020204030204"/>
+                          <a:cs typeface="Calibri" panose="020F0502020204030204"/>
                         </a:rPr>
                         <a:t>0.1</a:t>
                       </a:r>
                       <a:endParaRPr sz="1800">
-                        <a:latin typeface="Calibri"/>
-                        <a:cs typeface="Calibri"/>
+                        <a:latin typeface="Calibri" panose="020F0502020204030204"/>
+                        <a:cs typeface="Calibri" panose="020F0502020204030204"/>
                       </a:endParaRPr>
                     </a:p>
                   </a:txBody>
-                  <a:tcPr marL="0" marR="0" marB="0" marT="153670">
+                  <a:tcPr marL="0" marR="0" marT="153670" marB="0">
                     <a:lnT w="28575">
                       <a:solidFill>
                         <a:srgbClr val="FFFFFF"/>
@@ -5667,7 +5785,7 @@
                     <a:bodyPr/>
                     <a:lstStyle/>
                     <a:p>
-                      <a:pPr algn="r" marR="146685">
+                      <a:pPr marR="146685" algn="r">
                         <a:lnSpc>
                           <a:spcPct val="100000"/>
                         </a:lnSpc>
@@ -5676,22 +5794,22 @@
                         </a:spcBef>
                       </a:pPr>
                       <a:r>
-                        <a:rPr dirty="0" sz="1800" b="1">
+                        <a:rPr sz="1800" b="1" dirty="0">
                           <a:solidFill>
                             <a:srgbClr val="FFFFFF"/>
                           </a:solidFill>
-                          <a:latin typeface="Calibri"/>
-                          <a:cs typeface="Calibri"/>
+                          <a:latin typeface="Calibri" panose="020F0502020204030204"/>
+                          <a:cs typeface="Calibri" panose="020F0502020204030204"/>
                         </a:rPr>
                         <a:t>0</a:t>
                       </a:r>
                       <a:endParaRPr sz="1800">
-                        <a:latin typeface="Calibri"/>
-                        <a:cs typeface="Calibri"/>
+                        <a:latin typeface="Calibri" panose="020F0502020204030204"/>
+                        <a:cs typeface="Calibri" panose="020F0502020204030204"/>
                       </a:endParaRPr>
                     </a:p>
                   </a:txBody>
-                  <a:tcPr marL="0" marR="0" marB="0" marT="39370"/>
+                  <a:tcPr marL="0" marR="0" marT="39370" marB="0"/>
                 </a:tc>
                 <a:tc>
                   <a:txBody>
@@ -5707,22 +5825,22 @@
                         </a:spcBef>
                       </a:pPr>
                       <a:r>
-                        <a:rPr dirty="0" sz="1800" b="1">
+                        <a:rPr sz="1800" b="1" dirty="0">
                           <a:solidFill>
                             <a:srgbClr val="FFFFFF"/>
                           </a:solidFill>
-                          <a:latin typeface="Calibri"/>
-                          <a:cs typeface="Calibri"/>
+                          <a:latin typeface="Calibri" panose="020F0502020204030204"/>
+                          <a:cs typeface="Calibri" panose="020F0502020204030204"/>
                         </a:rPr>
                         <a:t>1</a:t>
                       </a:r>
                       <a:endParaRPr sz="1800">
-                        <a:latin typeface="Calibri"/>
-                        <a:cs typeface="Calibri"/>
+                        <a:latin typeface="Calibri" panose="020F0502020204030204"/>
+                        <a:cs typeface="Calibri" panose="020F0502020204030204"/>
                       </a:endParaRPr>
                     </a:p>
                   </a:txBody>
-                  <a:tcPr marL="0" marR="0" marB="0" marT="39370">
+                  <a:tcPr marL="0" marR="0" marT="39370" marB="0">
                     <a:lnR w="28575">
                       <a:solidFill>
                         <a:srgbClr val="FFFFFF"/>
@@ -5736,7 +5854,7 @@
                     <a:bodyPr/>
                     <a:lstStyle/>
                     <a:p>
-                      <a:pPr algn="r" marR="201930">
+                      <a:pPr marR="201930" algn="r">
                         <a:lnSpc>
                           <a:spcPct val="100000"/>
                         </a:lnSpc>
@@ -5745,22 +5863,22 @@
                         </a:spcBef>
                       </a:pPr>
                       <a:r>
-                        <a:rPr dirty="0" sz="1800" b="1">
+                        <a:rPr sz="1800" b="1" dirty="0">
                           <a:solidFill>
                             <a:srgbClr val="FFFFFF"/>
                           </a:solidFill>
-                          <a:latin typeface="Calibri"/>
-                          <a:cs typeface="Calibri"/>
+                          <a:latin typeface="Calibri" panose="020F0502020204030204"/>
+                          <a:cs typeface="Calibri" panose="020F0502020204030204"/>
                         </a:rPr>
                         <a:t>0.3</a:t>
                       </a:r>
                       <a:endParaRPr sz="1800">
-                        <a:latin typeface="Calibri"/>
-                        <a:cs typeface="Calibri"/>
+                        <a:latin typeface="Calibri" panose="020F0502020204030204"/>
+                        <a:cs typeface="Calibri" panose="020F0502020204030204"/>
                       </a:endParaRPr>
                     </a:p>
                   </a:txBody>
-                  <a:tcPr marL="0" marR="0" marB="0" marT="39370">
+                  <a:tcPr marL="0" marR="0" marT="39370" marB="0">
                     <a:lnL w="28575">
                       <a:solidFill>
                         <a:srgbClr val="FFFFFF"/>
@@ -5774,7 +5892,7 @@
                     <a:bodyPr/>
                     <a:lstStyle/>
                     <a:p>
-                      <a:pPr algn="r" marR="252729">
+                      <a:pPr marR="252730" algn="r">
                         <a:lnSpc>
                           <a:spcPct val="100000"/>
                         </a:lnSpc>
@@ -5783,22 +5901,22 @@
                         </a:spcBef>
                       </a:pPr>
                       <a:r>
-                        <a:rPr dirty="0" sz="1800" b="1">
+                        <a:rPr sz="1800" b="1" dirty="0">
                           <a:solidFill>
                             <a:srgbClr val="FFFFFF"/>
                           </a:solidFill>
-                          <a:latin typeface="Calibri"/>
-                          <a:cs typeface="Calibri"/>
+                          <a:latin typeface="Calibri" panose="020F0502020204030204"/>
+                          <a:cs typeface="Calibri" panose="020F0502020204030204"/>
                         </a:rPr>
                         <a:t>0.7</a:t>
                       </a:r>
                       <a:endParaRPr sz="1800">
-                        <a:latin typeface="Calibri"/>
-                        <a:cs typeface="Calibri"/>
+                        <a:latin typeface="Calibri" panose="020F0502020204030204"/>
+                        <a:cs typeface="Calibri" panose="020F0502020204030204"/>
                       </a:endParaRPr>
                     </a:p>
                   </a:txBody>
-                  <a:tcPr marL="0" marR="0" marB="0" marT="39370"/>
+                  <a:tcPr marL="0" marR="0" marT="39370" marB="0"/>
                 </a:tc>
               </a:tr>
               <a:tr h="395770">
@@ -5807,7 +5925,7 @@
                     <a:bodyPr/>
                     <a:lstStyle/>
                     <a:p>
-                      <a:pPr algn="r" marR="133985">
+                      <a:pPr marR="133985" algn="r">
                         <a:lnSpc>
                           <a:spcPct val="100000"/>
                         </a:lnSpc>
@@ -5816,22 +5934,22 @@
                         </a:spcBef>
                       </a:pPr>
                       <a:r>
-                        <a:rPr dirty="0" sz="1800" b="1">
+                        <a:rPr sz="1800" b="1" dirty="0">
                           <a:solidFill>
                             <a:srgbClr val="FFFFFF"/>
                           </a:solidFill>
-                          <a:latin typeface="Calibri"/>
-                          <a:cs typeface="Calibri"/>
+                          <a:latin typeface="Calibri" panose="020F0502020204030204"/>
+                          <a:cs typeface="Calibri" panose="020F0502020204030204"/>
                         </a:rPr>
                         <a:t>1</a:t>
                       </a:r>
                       <a:endParaRPr sz="1800">
-                        <a:latin typeface="Calibri"/>
-                        <a:cs typeface="Calibri"/>
+                        <a:latin typeface="Calibri" panose="020F0502020204030204"/>
+                        <a:cs typeface="Calibri" panose="020F0502020204030204"/>
                       </a:endParaRPr>
                     </a:p>
                   </a:txBody>
-                  <a:tcPr marL="0" marR="0" marB="0" marT="39370"/>
+                  <a:tcPr marL="0" marR="0" marT="39370" marB="0"/>
                 </a:tc>
                 <a:tc>
                   <a:txBody>
@@ -5847,22 +5965,22 @@
                         </a:spcBef>
                       </a:pPr>
                       <a:r>
-                        <a:rPr dirty="0" sz="1800" b="1">
+                        <a:rPr sz="1800" b="1" dirty="0">
                           <a:solidFill>
                             <a:srgbClr val="FFFFFF"/>
                           </a:solidFill>
-                          <a:latin typeface="Calibri"/>
-                          <a:cs typeface="Calibri"/>
+                          <a:latin typeface="Calibri" panose="020F0502020204030204"/>
+                          <a:cs typeface="Calibri" panose="020F0502020204030204"/>
                         </a:rPr>
                         <a:t>0</a:t>
                       </a:r>
                       <a:endParaRPr sz="1800">
-                        <a:latin typeface="Calibri"/>
-                        <a:cs typeface="Calibri"/>
+                        <a:latin typeface="Calibri" panose="020F0502020204030204"/>
+                        <a:cs typeface="Calibri" panose="020F0502020204030204"/>
                       </a:endParaRPr>
                     </a:p>
                   </a:txBody>
-                  <a:tcPr marL="0" marR="0" marB="0" marT="39370">
+                  <a:tcPr marL="0" marR="0" marT="39370" marB="0">
                     <a:lnR w="28575">
                       <a:solidFill>
                         <a:srgbClr val="FFFFFF"/>
@@ -5876,7 +5994,7 @@
                     <a:bodyPr/>
                     <a:lstStyle/>
                     <a:p>
-                      <a:pPr algn="r" marR="191770">
+                      <a:pPr marR="191770" algn="r">
                         <a:lnSpc>
                           <a:spcPct val="100000"/>
                         </a:lnSpc>
@@ -5885,22 +6003,22 @@
                         </a:spcBef>
                       </a:pPr>
                       <a:r>
-                        <a:rPr dirty="0" sz="1800" b="1">
+                        <a:rPr sz="1800" b="1" dirty="0">
                           <a:solidFill>
                             <a:srgbClr val="FFFFFF"/>
                           </a:solidFill>
-                          <a:latin typeface="Calibri"/>
-                          <a:cs typeface="Calibri"/>
+                          <a:latin typeface="Calibri" panose="020F0502020204030204"/>
+                          <a:cs typeface="Calibri" panose="020F0502020204030204"/>
                         </a:rPr>
                         <a:t>0.2</a:t>
                       </a:r>
                       <a:endParaRPr sz="1800">
-                        <a:latin typeface="Calibri"/>
-                        <a:cs typeface="Calibri"/>
+                        <a:latin typeface="Calibri" panose="020F0502020204030204"/>
+                        <a:cs typeface="Calibri" panose="020F0502020204030204"/>
                       </a:endParaRPr>
                     </a:p>
                   </a:txBody>
-                  <a:tcPr marL="0" marR="0" marB="0" marT="39370">
+                  <a:tcPr marL="0" marR="0" marT="39370" marB="0">
                     <a:lnL w="28575">
                       <a:solidFill>
                         <a:srgbClr val="FFFFFF"/>
@@ -5914,7 +6032,7 @@
                     <a:bodyPr/>
                     <a:lstStyle/>
                     <a:p>
-                      <a:pPr algn="r" marR="242570">
+                      <a:pPr marR="242570" algn="r">
                         <a:lnSpc>
                           <a:spcPct val="100000"/>
                         </a:lnSpc>
@@ -5923,22 +6041,22 @@
                         </a:spcBef>
                       </a:pPr>
                       <a:r>
-                        <a:rPr dirty="0" sz="1800" b="1">
+                        <a:rPr sz="1800" b="1" dirty="0">
                           <a:solidFill>
                             <a:srgbClr val="FFFFFF"/>
                           </a:solidFill>
-                          <a:latin typeface="Calibri"/>
-                          <a:cs typeface="Calibri"/>
+                          <a:latin typeface="Calibri" panose="020F0502020204030204"/>
+                          <a:cs typeface="Calibri" panose="020F0502020204030204"/>
                         </a:rPr>
                         <a:t>0.8</a:t>
                       </a:r>
                       <a:endParaRPr sz="1800">
-                        <a:latin typeface="Calibri"/>
-                        <a:cs typeface="Calibri"/>
+                        <a:latin typeface="Calibri" panose="020F0502020204030204"/>
+                        <a:cs typeface="Calibri" panose="020F0502020204030204"/>
                       </a:endParaRPr>
                     </a:p>
                   </a:txBody>
-                  <a:tcPr marL="0" marR="0" marB="0" marT="39370"/>
+                  <a:tcPr marL="0" marR="0" marT="39370" marB="0"/>
                 </a:tc>
               </a:tr>
               <a:tr h="597573">
@@ -5947,7 +6065,7 @@
                     <a:bodyPr/>
                     <a:lstStyle/>
                     <a:p>
-                      <a:pPr algn="r" marR="133985">
+                      <a:pPr marR="133985" algn="r">
                         <a:lnSpc>
                           <a:spcPct val="100000"/>
                         </a:lnSpc>
@@ -5956,22 +6074,22 @@
                         </a:spcBef>
                       </a:pPr>
                       <a:r>
-                        <a:rPr dirty="0" sz="1800" b="1">
+                        <a:rPr sz="1800" b="1" dirty="0">
                           <a:solidFill>
                             <a:srgbClr val="FFFFFF"/>
                           </a:solidFill>
-                          <a:latin typeface="Calibri"/>
-                          <a:cs typeface="Calibri"/>
+                          <a:latin typeface="Calibri" panose="020F0502020204030204"/>
+                          <a:cs typeface="Calibri" panose="020F0502020204030204"/>
                         </a:rPr>
                         <a:t>1</a:t>
                       </a:r>
                       <a:endParaRPr sz="1800">
-                        <a:latin typeface="Calibri"/>
-                        <a:cs typeface="Calibri"/>
+                        <a:latin typeface="Calibri" panose="020F0502020204030204"/>
+                        <a:cs typeface="Calibri" panose="020F0502020204030204"/>
                       </a:endParaRPr>
                     </a:p>
                   </a:txBody>
-                  <a:tcPr marL="0" marR="0" marB="0" marT="13335"/>
+                  <a:tcPr marL="0" marR="0" marT="13335" marB="0"/>
                 </a:tc>
                 <a:tc>
                   <a:txBody>
@@ -5987,22 +6105,22 @@
                         </a:spcBef>
                       </a:pPr>
                       <a:r>
-                        <a:rPr dirty="0" sz="1800" b="1">
+                        <a:rPr sz="1800" b="1" dirty="0">
                           <a:solidFill>
                             <a:srgbClr val="FFFFFF"/>
                           </a:solidFill>
-                          <a:latin typeface="Calibri"/>
-                          <a:cs typeface="Calibri"/>
+                          <a:latin typeface="Calibri" panose="020F0502020204030204"/>
+                          <a:cs typeface="Calibri" panose="020F0502020204030204"/>
                         </a:rPr>
                         <a:t>1</a:t>
                       </a:r>
                       <a:endParaRPr sz="1800">
-                        <a:latin typeface="Calibri"/>
-                        <a:cs typeface="Calibri"/>
+                        <a:latin typeface="Calibri" panose="020F0502020204030204"/>
+                        <a:cs typeface="Calibri" panose="020F0502020204030204"/>
                       </a:endParaRPr>
                     </a:p>
                   </a:txBody>
-                  <a:tcPr marL="0" marR="0" marB="0" marT="13335">
+                  <a:tcPr marL="0" marR="0" marT="13335" marB="0">
                     <a:lnR w="28575">
                       <a:solidFill>
                         <a:srgbClr val="FFFFFF"/>
@@ -6016,7 +6134,7 @@
                     <a:bodyPr/>
                     <a:lstStyle/>
                     <a:p>
-                      <a:pPr algn="r" marR="189865">
+                      <a:pPr marR="189865" algn="r">
                         <a:lnSpc>
                           <a:spcPct val="100000"/>
                         </a:lnSpc>
@@ -6025,22 +6143,22 @@
                         </a:spcBef>
                       </a:pPr>
                       <a:r>
-                        <a:rPr dirty="0" sz="1800" b="1">
+                        <a:rPr sz="1800" b="1" dirty="0">
                           <a:solidFill>
                             <a:srgbClr val="FFFFFF"/>
                           </a:solidFill>
-                          <a:latin typeface="Calibri"/>
-                          <a:cs typeface="Calibri"/>
+                          <a:latin typeface="Calibri" panose="020F0502020204030204"/>
+                          <a:cs typeface="Calibri" panose="020F0502020204030204"/>
                         </a:rPr>
                         <a:t>0.1</a:t>
                       </a:r>
                       <a:endParaRPr sz="1800">
-                        <a:latin typeface="Calibri"/>
-                        <a:cs typeface="Calibri"/>
+                        <a:latin typeface="Calibri" panose="020F0502020204030204"/>
+                        <a:cs typeface="Calibri" panose="020F0502020204030204"/>
                       </a:endParaRPr>
                     </a:p>
                   </a:txBody>
-                  <a:tcPr marL="0" marR="0" marB="0" marT="13335">
+                  <a:tcPr marL="0" marR="0" marT="13335" marB="0">
                     <a:lnL w="28575">
                       <a:solidFill>
                         <a:srgbClr val="FFFFFF"/>
@@ -6054,7 +6172,7 @@
                     <a:bodyPr/>
                     <a:lstStyle/>
                     <a:p>
-                      <a:pPr algn="r" marR="241300">
+                      <a:pPr marR="241300" algn="r">
                         <a:lnSpc>
                           <a:spcPct val="100000"/>
                         </a:lnSpc>
@@ -6063,22 +6181,22 @@
                         </a:spcBef>
                       </a:pPr>
                       <a:r>
-                        <a:rPr dirty="0" sz="1800" b="1">
+                        <a:rPr sz="1800" b="1" dirty="0">
                           <a:solidFill>
                             <a:srgbClr val="FFFFFF"/>
                           </a:solidFill>
-                          <a:latin typeface="Calibri"/>
-                          <a:cs typeface="Calibri"/>
+                          <a:latin typeface="Calibri" panose="020F0502020204030204"/>
+                          <a:cs typeface="Calibri" panose="020F0502020204030204"/>
                         </a:rPr>
                         <a:t>0.9</a:t>
                       </a:r>
                       <a:endParaRPr sz="1800">
-                        <a:latin typeface="Calibri"/>
-                        <a:cs typeface="Calibri"/>
+                        <a:latin typeface="Calibri" panose="020F0502020204030204"/>
+                        <a:cs typeface="Calibri" panose="020F0502020204030204"/>
                       </a:endParaRPr>
                     </a:p>
                   </a:txBody>
-                  <a:tcPr marL="0" marR="0" marB="0" marT="13335"/>
+                  <a:tcPr marL="0" marR="0" marT="13335" marB="0"/>
                 </a:tc>
               </a:tr>
             </a:tbl>
@@ -6101,7 +6219,7 @@
           </a:prstGeom>
         </p:spPr>
         <p:txBody>
-          <a:bodyPr wrap="square" lIns="0" tIns="12065" rIns="0" bIns="0" rtlCol="0" vert="horz">
+          <a:bodyPr vert="horz" wrap="square" lIns="0" tIns="12065" rIns="0" bIns="0" rtlCol="0">
             <a:spAutoFit/>
           </a:bodyPr>
           <a:lstStyle/>
@@ -6115,38 +6233,38 @@
               </a:spcBef>
             </a:pPr>
             <a:r>
-              <a:rPr dirty="0" sz="1900" spc="-65">
+              <a:rPr sz="1900" spc="-65" dirty="0">
                 <a:solidFill>
                   <a:srgbClr val="00AF50"/>
                 </a:solidFill>
-                <a:latin typeface="微软雅黑"/>
-                <a:cs typeface="微软雅黑"/>
+                <a:latin typeface="微软雅黑" panose="020B0503020204020204" charset="-122"/>
+                <a:cs typeface="微软雅黑" panose="020B0503020204020204" charset="-122"/>
               </a:rPr>
               <a:t>CP</a:t>
             </a:r>
             <a:r>
-              <a:rPr dirty="0" sz="1900" spc="-85">
+              <a:rPr sz="1900" spc="-85" dirty="0">
                 <a:solidFill>
                   <a:srgbClr val="00AF50"/>
                 </a:solidFill>
-                <a:latin typeface="微软雅黑"/>
-                <a:cs typeface="微软雅黑"/>
+                <a:latin typeface="微软雅黑" panose="020B0503020204020204" charset="-122"/>
+                <a:cs typeface="微软雅黑" panose="020B0503020204020204" charset="-122"/>
               </a:rPr>
               <a:t>D</a:t>
             </a:r>
             <a:r>
-              <a:rPr dirty="0" sz="1900" spc="-95">
+              <a:rPr sz="1900" spc="-95" dirty="0">
                 <a:solidFill>
                   <a:srgbClr val="00AF50"/>
                 </a:solidFill>
-                <a:latin typeface="微软雅黑"/>
-                <a:cs typeface="微软雅黑"/>
+                <a:latin typeface="微软雅黑" panose="020B0503020204020204" charset="-122"/>
+                <a:cs typeface="微软雅黑" panose="020B0503020204020204" charset="-122"/>
               </a:rPr>
               <a:t>（条件概率表）:</a:t>
             </a:r>
             <a:endParaRPr sz="1900">
-              <a:latin typeface="微软雅黑"/>
-              <a:cs typeface="微软雅黑"/>
+              <a:latin typeface="微软雅黑" panose="020B0503020204020204" charset="-122"/>
+              <a:cs typeface="微软雅黑" panose="020B0503020204020204" charset="-122"/>
             </a:endParaRPr>
           </a:p>
         </p:txBody>
@@ -6167,7 +6285,7 @@
           </a:prstGeom>
         </p:spPr>
         <p:txBody>
-          <a:bodyPr wrap="square" lIns="0" tIns="143510" rIns="0" bIns="0" rtlCol="0" vert="horz">
+          <a:bodyPr vert="horz" wrap="square" lIns="0" tIns="143510" rIns="0" bIns="0" rtlCol="0">
             <a:spAutoFit/>
           </a:bodyPr>
           <a:lstStyle/>
@@ -6181,148 +6299,148 @@
               </a:spcBef>
             </a:pPr>
             <a:r>
-              <a:rPr dirty="0" sz="1900" spc="-60">
+              <a:rPr sz="1900" spc="-60" dirty="0">
                 <a:solidFill>
                   <a:srgbClr val="FF0000"/>
                 </a:solidFill>
-                <a:latin typeface="微软雅黑"/>
-                <a:cs typeface="微软雅黑"/>
+                <a:latin typeface="微软雅黑" panose="020B0503020204020204" charset="-122"/>
+                <a:cs typeface="微软雅黑" panose="020B0503020204020204" charset="-122"/>
               </a:rPr>
               <a:t>1 </a:t>
             </a:r>
             <a:r>
-              <a:rPr dirty="0" sz="1900" spc="-75">
+              <a:rPr sz="1900" spc="-75" dirty="0">
                 <a:solidFill>
                   <a:srgbClr val="FF0000"/>
                 </a:solidFill>
-                <a:latin typeface="微软雅黑"/>
-                <a:cs typeface="微软雅黑"/>
+                <a:latin typeface="微软雅黑" panose="020B0503020204020204" charset="-122"/>
+                <a:cs typeface="微软雅黑" panose="020B0503020204020204" charset="-122"/>
               </a:rPr>
               <a:t>+ </a:t>
             </a:r>
             <a:r>
-              <a:rPr dirty="0" sz="1900" spc="-60">
+              <a:rPr sz="1900" spc="-60" dirty="0">
                 <a:solidFill>
                   <a:srgbClr val="FF0000"/>
                 </a:solidFill>
-                <a:latin typeface="微软雅黑"/>
-                <a:cs typeface="微软雅黑"/>
+                <a:latin typeface="微软雅黑" panose="020B0503020204020204" charset="-122"/>
+                <a:cs typeface="微软雅黑" panose="020B0503020204020204" charset="-122"/>
               </a:rPr>
               <a:t>2 </a:t>
             </a:r>
             <a:r>
-              <a:rPr dirty="0" sz="1900" spc="-75">
+              <a:rPr sz="1900" spc="-75" dirty="0">
                 <a:solidFill>
                   <a:srgbClr val="FF0000"/>
                 </a:solidFill>
-                <a:latin typeface="微软雅黑"/>
-                <a:cs typeface="微软雅黑"/>
+                <a:latin typeface="微软雅黑" panose="020B0503020204020204" charset="-122"/>
+                <a:cs typeface="微软雅黑" panose="020B0503020204020204" charset="-122"/>
               </a:rPr>
               <a:t>+ </a:t>
             </a:r>
             <a:r>
-              <a:rPr dirty="0" sz="1900" spc="-60">
+              <a:rPr sz="1900" spc="-60" dirty="0">
                 <a:solidFill>
                   <a:srgbClr val="FF0000"/>
                 </a:solidFill>
-                <a:latin typeface="微软雅黑"/>
-                <a:cs typeface="微软雅黑"/>
+                <a:latin typeface="微软雅黑" panose="020B0503020204020204" charset="-122"/>
+                <a:cs typeface="微软雅黑" panose="020B0503020204020204" charset="-122"/>
               </a:rPr>
               <a:t>2 </a:t>
             </a:r>
             <a:r>
-              <a:rPr dirty="0" sz="1900" spc="-75">
+              <a:rPr sz="1900" spc="-75" dirty="0">
                 <a:solidFill>
                   <a:srgbClr val="FF0000"/>
                 </a:solidFill>
-                <a:latin typeface="微软雅黑"/>
-                <a:cs typeface="微软雅黑"/>
+                <a:latin typeface="微软雅黑" panose="020B0503020204020204" charset="-122"/>
+                <a:cs typeface="微软雅黑" panose="020B0503020204020204" charset="-122"/>
               </a:rPr>
               <a:t>+ </a:t>
             </a:r>
             <a:r>
-              <a:rPr dirty="0" sz="1900" spc="-60">
+              <a:rPr sz="1900" spc="-60" dirty="0">
                 <a:solidFill>
                   <a:srgbClr val="FF0000"/>
                 </a:solidFill>
-                <a:latin typeface="微软雅黑"/>
-                <a:cs typeface="微软雅黑"/>
+                <a:latin typeface="微软雅黑" panose="020B0503020204020204" charset="-122"/>
+                <a:cs typeface="微软雅黑" panose="020B0503020204020204" charset="-122"/>
               </a:rPr>
               <a:t>4 </a:t>
             </a:r>
             <a:r>
-              <a:rPr dirty="0" sz="1900" spc="-75">
+              <a:rPr sz="1900" spc="-75" dirty="0">
                 <a:solidFill>
                   <a:srgbClr val="FF0000"/>
                 </a:solidFill>
-                <a:latin typeface="微软雅黑"/>
-                <a:cs typeface="微软雅黑"/>
+                <a:latin typeface="微软雅黑" panose="020B0503020204020204" charset="-122"/>
+                <a:cs typeface="微软雅黑" panose="020B0503020204020204" charset="-122"/>
               </a:rPr>
               <a:t>+ </a:t>
             </a:r>
             <a:r>
-              <a:rPr dirty="0" sz="1900" spc="-60">
+              <a:rPr sz="1900" spc="-60" dirty="0">
                 <a:solidFill>
                   <a:srgbClr val="FF0000"/>
                 </a:solidFill>
-                <a:latin typeface="微软雅黑"/>
-                <a:cs typeface="微软雅黑"/>
+                <a:latin typeface="微软雅黑" panose="020B0503020204020204" charset="-122"/>
+                <a:cs typeface="微软雅黑" panose="020B0503020204020204" charset="-122"/>
               </a:rPr>
               <a:t>4 </a:t>
             </a:r>
             <a:r>
-              <a:rPr dirty="0" sz="1900" spc="-75">
+              <a:rPr sz="1900" spc="-75" dirty="0">
                 <a:solidFill>
                   <a:srgbClr val="FF0000"/>
                 </a:solidFill>
-                <a:latin typeface="微软雅黑"/>
-                <a:cs typeface="微软雅黑"/>
+                <a:latin typeface="微软雅黑" panose="020B0503020204020204" charset="-122"/>
+                <a:cs typeface="微软雅黑" panose="020B0503020204020204" charset="-122"/>
               </a:rPr>
               <a:t>= </a:t>
             </a:r>
             <a:r>
-              <a:rPr dirty="0" sz="1900" spc="-65">
+              <a:rPr sz="1900" spc="-65" dirty="0">
                 <a:solidFill>
                   <a:srgbClr val="FF0000"/>
                 </a:solidFill>
-                <a:latin typeface="微软雅黑"/>
-                <a:cs typeface="微软雅黑"/>
+                <a:latin typeface="微软雅黑" panose="020B0503020204020204" charset="-122"/>
+                <a:cs typeface="微软雅黑" panose="020B0503020204020204" charset="-122"/>
               </a:rPr>
               <a:t>13 </a:t>
             </a:r>
             <a:r>
-              <a:rPr dirty="0" sz="1900" spc="-85">
+              <a:rPr sz="1900" spc="-85" dirty="0">
                 <a:solidFill>
                   <a:srgbClr val="FF0000"/>
                 </a:solidFill>
-                <a:latin typeface="微软雅黑"/>
-                <a:cs typeface="微软雅黑"/>
+                <a:latin typeface="微软雅黑" panose="020B0503020204020204" charset="-122"/>
+                <a:cs typeface="微软雅黑" panose="020B0503020204020204" charset="-122"/>
               </a:rPr>
               <a:t>VS</a:t>
             </a:r>
             <a:r>
-              <a:rPr dirty="0" sz="1900" spc="300">
+              <a:rPr sz="1900" spc="300" dirty="0">
                 <a:solidFill>
                   <a:srgbClr val="FF0000"/>
                 </a:solidFill>
-                <a:latin typeface="微软雅黑"/>
-                <a:cs typeface="微软雅黑"/>
+                <a:latin typeface="微软雅黑" panose="020B0503020204020204" charset="-122"/>
+                <a:cs typeface="微软雅黑" panose="020B0503020204020204" charset="-122"/>
               </a:rPr>
               <a:t> </a:t>
             </a:r>
             <a:r>
-              <a:rPr dirty="0" sz="1900" spc="-70">
+              <a:rPr sz="1900" spc="-70" dirty="0">
                 <a:solidFill>
                   <a:srgbClr val="FF0000"/>
                 </a:solidFill>
-                <a:latin typeface="微软雅黑"/>
-                <a:cs typeface="微软雅黑"/>
+                <a:latin typeface="微软雅黑" panose="020B0503020204020204" charset="-122"/>
+                <a:cs typeface="微软雅黑" panose="020B0503020204020204" charset="-122"/>
               </a:rPr>
               <a:t>2^5</a:t>
             </a:r>
             <a:endParaRPr sz="1900">
-              <a:latin typeface="微软雅黑"/>
-              <a:cs typeface="微软雅黑"/>
+              <a:latin typeface="微软雅黑" panose="020B0503020204020204" charset="-122"/>
+              <a:cs typeface="微软雅黑" panose="020B0503020204020204" charset="-122"/>
             </a:endParaRPr>
           </a:p>
           <a:p>
@@ -6335,18 +6453,18 @@
               </a:spcBef>
             </a:pPr>
             <a:r>
-              <a:rPr dirty="0" sz="1800" spc="-5">
+              <a:rPr sz="1800" spc="-5" dirty="0">
                 <a:solidFill>
                   <a:srgbClr val="00AF50"/>
                 </a:solidFill>
-                <a:latin typeface="微软雅黑"/>
-                <a:cs typeface="微软雅黑"/>
+                <a:latin typeface="微软雅黑" panose="020B0503020204020204" charset="-122"/>
+                <a:cs typeface="微软雅黑" panose="020B0503020204020204" charset="-122"/>
               </a:rPr>
               <a:t>贝叶斯网络可以很好的降维</a:t>
             </a:r>
             <a:endParaRPr sz="1800">
-              <a:latin typeface="微软雅黑"/>
-              <a:cs typeface="微软雅黑"/>
+              <a:latin typeface="微软雅黑" panose="020B0503020204020204" charset="-122"/>
+              <a:cs typeface="微软雅黑" panose="020B0503020204020204" charset="-122"/>
             </a:endParaRPr>
           </a:p>
           <a:p>
@@ -6359,18 +6477,18 @@
               </a:spcBef>
             </a:pPr>
             <a:r>
-              <a:rPr dirty="0" sz="1800">
+              <a:rPr sz="1800" dirty="0">
                 <a:solidFill>
                   <a:srgbClr val="00AF50"/>
                 </a:solidFill>
-                <a:latin typeface="微软雅黑"/>
-                <a:cs typeface="微软雅黑"/>
+                <a:latin typeface="微软雅黑" panose="020B0503020204020204" charset="-122"/>
+                <a:cs typeface="微软雅黑" panose="020B0503020204020204" charset="-122"/>
               </a:rPr>
               <a:t>（防止过拟合）</a:t>
             </a:r>
             <a:endParaRPr sz="1800">
-              <a:latin typeface="微软雅黑"/>
-              <a:cs typeface="微软雅黑"/>
+              <a:latin typeface="微软雅黑" panose="020B0503020204020204" charset="-122"/>
+              <a:cs typeface="微软雅黑" panose="020B0503020204020204" charset="-122"/>
             </a:endParaRPr>
           </a:p>
         </p:txBody>
@@ -6381,6 +6499,12 @@
     <a:masterClrMapping/>
   </p:clrMapOvr>
 </p:sld>
+</file>
+
+<file path=ppt/tags/tag1.xml><?xml version="1.0" encoding="utf-8"?>
+<p:tagLst xmlns:p="http://schemas.openxmlformats.org/presentationml/2006/main">
+  <p:tag name="KSO_WM_DOC_GUID" val="{8e1410d7-a9b8-4d45-9d60-b900a66d4483}"/>
+</p:tagLst>
 </file>
 
 <file path=ppt/theme/theme1.xml><?xml version="1.0" encoding="utf-8"?>
@@ -6661,7 +6785,10 @@
       </a:bgFillStyleLst>
     </a:fmtScheme>
   </a:themeElements>
-  <a:objectDefaults/>
-  <a:extraClrSchemeLst/>
+  <a:extLst>
+    <a:ext uri="{05A4C25C-085E-4340-85A3-A5531E510DB2}">
+      <thm15:themeFamily xmlns:thm15="http://schemas.microsoft.com/office/thememl/2012/main" name="Office Theme" id="{62F939B6-93AF-4DB8-9C6B-D6C7DFDC589F}" vid="{4A3C46E8-61CC-4603-A589-7422A47A8E4A}"/>
+    </a:ext>
+  </a:extLst>
 </a:theme>
 </file>